--- a/figures/network.pptx
+++ b/figures/network.pptx
@@ -109,7 +109,7 @@
   </p:defaultTextStyle>
   <p:extLst>
     <p:ext uri="{EFAFB233-063F-42B5-8137-9DF3F51BA10A}">
-      <p15:sldGuideLst xmlns:p15="http://schemas.microsoft.com/office/powerpoint/2012/main" xmlns="">
+      <p15:sldGuideLst xmlns:p15="http://schemas.microsoft.com/office/powerpoint/2012/main">
         <p15:guide id="1" orient="horz" pos="2160">
           <p15:clr>
             <a:srgbClr val="A4A3A4"/>
@@ -209,7 +209,7 @@
             <a:fld id="{A2F9D2D1-F001-4665-AEC3-D620B75A813A}" type="datetimeFigureOut">
               <a:rPr lang="es-ES" smtClean="0"/>
               <a:pPr/>
-              <a:t>30/05/2018</a:t>
+              <a:t>17/01/2020</a:t>
             </a:fld>
             <a:endParaRPr lang="es-ES"/>
           </a:p>
@@ -275,38 +275,37 @@
           <a:p>
             <a:pPr lvl="0"/>
             <a:r>
-              <a:rPr lang="es-ES" smtClean="0"/>
+              <a:rPr lang="es-ES"/>
               <a:t>Haga clic para modificar el estilo de texto del patrón</a:t>
             </a:r>
           </a:p>
           <a:p>
             <a:pPr lvl="1"/>
             <a:r>
-              <a:rPr lang="es-ES" smtClean="0"/>
+              <a:rPr lang="es-ES"/>
               <a:t>Segundo nivel</a:t>
             </a:r>
           </a:p>
           <a:p>
             <a:pPr lvl="2"/>
             <a:r>
-              <a:rPr lang="es-ES" smtClean="0"/>
+              <a:rPr lang="es-ES"/>
               <a:t>Tercer nivel</a:t>
             </a:r>
           </a:p>
           <a:p>
             <a:pPr lvl="3"/>
             <a:r>
-              <a:rPr lang="es-ES" smtClean="0"/>
+              <a:rPr lang="es-ES"/>
               <a:t>Cuarto nivel</a:t>
             </a:r>
           </a:p>
           <a:p>
             <a:pPr lvl="4"/>
             <a:r>
-              <a:rPr lang="es-ES" smtClean="0"/>
+              <a:rPr lang="es-ES"/>
               <a:t>Quinto nivel</a:t>
             </a:r>
-            <a:endParaRPr lang="es-ES"/>
           </a:p>
         </p:txBody>
       </p:sp>
@@ -371,7 +370,7 @@
             <a:fld id="{19A5C0B8-C20F-4D98-B971-57C6062A56EB}" type="slidenum">
               <a:rPr lang="es-ES" smtClean="0"/>
               <a:pPr/>
-              <a:t>‹Nº›</a:t>
+              <a:t>‹#›</a:t>
             </a:fld>
             <a:endParaRPr lang="es-ES"/>
           </a:p>
@@ -595,10 +594,9 @@
           <a:lstStyle/>
           <a:p>
             <a:r>
-              <a:rPr lang="es-ES" smtClean="0"/>
+              <a:rPr lang="es-ES"/>
               <a:t>Haga clic para modificar el estilo de título del patrón</a:t>
             </a:r>
-            <a:endParaRPr lang="es-ES"/>
           </a:p>
         </p:txBody>
       </p:sp>
@@ -714,10 +712,9 @@
           </a:lstStyle>
           <a:p>
             <a:r>
-              <a:rPr lang="es-ES" smtClean="0"/>
+              <a:rPr lang="es-ES"/>
               <a:t>Haga clic para modificar el estilo de subtítulo del patrón</a:t>
             </a:r>
-            <a:endParaRPr lang="es-ES"/>
           </a:p>
         </p:txBody>
       </p:sp>
@@ -739,7 +736,7 @@
             <a:fld id="{7A847CFC-816F-41D0-AAC0-9BF4FEBC753E}" type="datetimeFigureOut">
               <a:rPr lang="es-ES" smtClean="0"/>
               <a:pPr/>
-              <a:t>30/05/2018</a:t>
+              <a:t>17/01/2020</a:t>
             </a:fld>
             <a:endParaRPr lang="es-ES"/>
           </a:p>
@@ -782,7 +779,7 @@
             <a:fld id="{132FADFE-3B8F-471C-ABF0-DBC7717ECBBC}" type="slidenum">
               <a:rPr lang="es-ES" smtClean="0"/>
               <a:pPr/>
-              <a:t>‹Nº›</a:t>
+              <a:t>‹#›</a:t>
             </a:fld>
             <a:endParaRPr lang="es-ES"/>
           </a:p>
@@ -829,10 +826,9 @@
           <a:lstStyle/>
           <a:p>
             <a:r>
-              <a:rPr lang="es-ES" smtClean="0"/>
+              <a:rPr lang="es-ES"/>
               <a:t>Haga clic para modificar el estilo de título del patrón</a:t>
             </a:r>
-            <a:endParaRPr lang="es-ES"/>
           </a:p>
         </p:txBody>
       </p:sp>
@@ -853,38 +849,37 @@
           <a:p>
             <a:pPr lvl="0"/>
             <a:r>
-              <a:rPr lang="es-ES" smtClean="0"/>
+              <a:rPr lang="es-ES"/>
               <a:t>Haga clic para modificar el estilo de texto del patrón</a:t>
             </a:r>
           </a:p>
           <a:p>
             <a:pPr lvl="1"/>
             <a:r>
-              <a:rPr lang="es-ES" smtClean="0"/>
+              <a:rPr lang="es-ES"/>
               <a:t>Segundo nivel</a:t>
             </a:r>
           </a:p>
           <a:p>
             <a:pPr lvl="2"/>
             <a:r>
-              <a:rPr lang="es-ES" smtClean="0"/>
+              <a:rPr lang="es-ES"/>
               <a:t>Tercer nivel</a:t>
             </a:r>
           </a:p>
           <a:p>
             <a:pPr lvl="3"/>
             <a:r>
-              <a:rPr lang="es-ES" smtClean="0"/>
+              <a:rPr lang="es-ES"/>
               <a:t>Cuarto nivel</a:t>
             </a:r>
           </a:p>
           <a:p>
             <a:pPr lvl="4"/>
             <a:r>
-              <a:rPr lang="es-ES" smtClean="0"/>
+              <a:rPr lang="es-ES"/>
               <a:t>Quinto nivel</a:t>
             </a:r>
-            <a:endParaRPr lang="es-ES"/>
           </a:p>
         </p:txBody>
       </p:sp>
@@ -906,7 +901,7 @@
             <a:fld id="{7A847CFC-816F-41D0-AAC0-9BF4FEBC753E}" type="datetimeFigureOut">
               <a:rPr lang="es-ES" smtClean="0"/>
               <a:pPr/>
-              <a:t>30/05/2018</a:t>
+              <a:t>17/01/2020</a:t>
             </a:fld>
             <a:endParaRPr lang="es-ES"/>
           </a:p>
@@ -949,7 +944,7 @@
             <a:fld id="{132FADFE-3B8F-471C-ABF0-DBC7717ECBBC}" type="slidenum">
               <a:rPr lang="es-ES" smtClean="0"/>
               <a:pPr/>
-              <a:t>‹Nº›</a:t>
+              <a:t>‹#›</a:t>
             </a:fld>
             <a:endParaRPr lang="es-ES"/>
           </a:p>
@@ -1001,10 +996,9 @@
           <a:lstStyle/>
           <a:p>
             <a:r>
-              <a:rPr lang="es-ES" smtClean="0"/>
+              <a:rPr lang="es-ES"/>
               <a:t>Haga clic para modificar el estilo de título del patrón</a:t>
             </a:r>
-            <a:endParaRPr lang="es-ES"/>
           </a:p>
         </p:txBody>
       </p:sp>
@@ -1030,38 +1024,37 @@
           <a:p>
             <a:pPr lvl="0"/>
             <a:r>
-              <a:rPr lang="es-ES" smtClean="0"/>
+              <a:rPr lang="es-ES"/>
               <a:t>Haga clic para modificar el estilo de texto del patrón</a:t>
             </a:r>
           </a:p>
           <a:p>
             <a:pPr lvl="1"/>
             <a:r>
-              <a:rPr lang="es-ES" smtClean="0"/>
+              <a:rPr lang="es-ES"/>
               <a:t>Segundo nivel</a:t>
             </a:r>
           </a:p>
           <a:p>
             <a:pPr lvl="2"/>
             <a:r>
-              <a:rPr lang="es-ES" smtClean="0"/>
+              <a:rPr lang="es-ES"/>
               <a:t>Tercer nivel</a:t>
             </a:r>
           </a:p>
           <a:p>
             <a:pPr lvl="3"/>
             <a:r>
-              <a:rPr lang="es-ES" smtClean="0"/>
+              <a:rPr lang="es-ES"/>
               <a:t>Cuarto nivel</a:t>
             </a:r>
           </a:p>
           <a:p>
             <a:pPr lvl="4"/>
             <a:r>
-              <a:rPr lang="es-ES" smtClean="0"/>
+              <a:rPr lang="es-ES"/>
               <a:t>Quinto nivel</a:t>
             </a:r>
-            <a:endParaRPr lang="es-ES"/>
           </a:p>
         </p:txBody>
       </p:sp>
@@ -1083,7 +1076,7 @@
             <a:fld id="{7A847CFC-816F-41D0-AAC0-9BF4FEBC753E}" type="datetimeFigureOut">
               <a:rPr lang="es-ES" smtClean="0"/>
               <a:pPr/>
-              <a:t>30/05/2018</a:t>
+              <a:t>17/01/2020</a:t>
             </a:fld>
             <a:endParaRPr lang="es-ES"/>
           </a:p>
@@ -1126,7 +1119,7 @@
             <a:fld id="{132FADFE-3B8F-471C-ABF0-DBC7717ECBBC}" type="slidenum">
               <a:rPr lang="es-ES" smtClean="0"/>
               <a:pPr/>
-              <a:t>‹Nº›</a:t>
+              <a:t>‹#›</a:t>
             </a:fld>
             <a:endParaRPr lang="es-ES"/>
           </a:p>
@@ -1173,10 +1166,9 @@
           <a:lstStyle/>
           <a:p>
             <a:r>
-              <a:rPr lang="es-ES" smtClean="0"/>
+              <a:rPr lang="es-ES"/>
               <a:t>Haga clic para modificar el estilo de título del patrón</a:t>
             </a:r>
-            <a:endParaRPr lang="es-ES"/>
           </a:p>
         </p:txBody>
       </p:sp>
@@ -1197,38 +1189,37 @@
           <a:p>
             <a:pPr lvl="0"/>
             <a:r>
-              <a:rPr lang="es-ES" smtClean="0"/>
+              <a:rPr lang="es-ES"/>
               <a:t>Haga clic para modificar el estilo de texto del patrón</a:t>
             </a:r>
           </a:p>
           <a:p>
             <a:pPr lvl="1"/>
             <a:r>
-              <a:rPr lang="es-ES" smtClean="0"/>
+              <a:rPr lang="es-ES"/>
               <a:t>Segundo nivel</a:t>
             </a:r>
           </a:p>
           <a:p>
             <a:pPr lvl="2"/>
             <a:r>
-              <a:rPr lang="es-ES" smtClean="0"/>
+              <a:rPr lang="es-ES"/>
               <a:t>Tercer nivel</a:t>
             </a:r>
           </a:p>
           <a:p>
             <a:pPr lvl="3"/>
             <a:r>
-              <a:rPr lang="es-ES" smtClean="0"/>
+              <a:rPr lang="es-ES"/>
               <a:t>Cuarto nivel</a:t>
             </a:r>
           </a:p>
           <a:p>
             <a:pPr lvl="4"/>
             <a:r>
-              <a:rPr lang="es-ES" smtClean="0"/>
+              <a:rPr lang="es-ES"/>
               <a:t>Quinto nivel</a:t>
             </a:r>
-            <a:endParaRPr lang="es-ES"/>
           </a:p>
         </p:txBody>
       </p:sp>
@@ -1250,7 +1241,7 @@
             <a:fld id="{7A847CFC-816F-41D0-AAC0-9BF4FEBC753E}" type="datetimeFigureOut">
               <a:rPr lang="es-ES" smtClean="0"/>
               <a:pPr/>
-              <a:t>30/05/2018</a:t>
+              <a:t>17/01/2020</a:t>
             </a:fld>
             <a:endParaRPr lang="es-ES"/>
           </a:p>
@@ -1293,7 +1284,7 @@
             <a:fld id="{132FADFE-3B8F-471C-ABF0-DBC7717ECBBC}" type="slidenum">
               <a:rPr lang="es-ES" smtClean="0"/>
               <a:pPr/>
-              <a:t>‹Nº›</a:t>
+              <a:t>‹#›</a:t>
             </a:fld>
             <a:endParaRPr lang="es-ES"/>
           </a:p>
@@ -1349,10 +1340,9 @@
           </a:lstStyle>
           <a:p>
             <a:r>
-              <a:rPr lang="es-ES" smtClean="0"/>
+              <a:rPr lang="es-ES"/>
               <a:t>Haga clic para modificar el estilo de título del patrón</a:t>
             </a:r>
-            <a:endParaRPr lang="es-ES"/>
           </a:p>
         </p:txBody>
       </p:sp>
@@ -1469,7 +1459,7 @@
           <a:p>
             <a:pPr lvl="0"/>
             <a:r>
-              <a:rPr lang="es-ES" smtClean="0"/>
+              <a:rPr lang="es-ES"/>
               <a:t>Haga clic para modificar el estilo de texto del patrón</a:t>
             </a:r>
           </a:p>
@@ -1493,7 +1483,7 @@
             <a:fld id="{7A847CFC-816F-41D0-AAC0-9BF4FEBC753E}" type="datetimeFigureOut">
               <a:rPr lang="es-ES" smtClean="0"/>
               <a:pPr/>
-              <a:t>30/05/2018</a:t>
+              <a:t>17/01/2020</a:t>
             </a:fld>
             <a:endParaRPr lang="es-ES"/>
           </a:p>
@@ -1536,7 +1526,7 @@
             <a:fld id="{132FADFE-3B8F-471C-ABF0-DBC7717ECBBC}" type="slidenum">
               <a:rPr lang="es-ES" smtClean="0"/>
               <a:pPr/>
-              <a:t>‹Nº›</a:t>
+              <a:t>‹#›</a:t>
             </a:fld>
             <a:endParaRPr lang="es-ES"/>
           </a:p>
@@ -1583,10 +1573,9 @@
           <a:lstStyle/>
           <a:p>
             <a:r>
-              <a:rPr lang="es-ES" smtClean="0"/>
+              <a:rPr lang="es-ES"/>
               <a:t>Haga clic para modificar el estilo de título del patrón</a:t>
             </a:r>
-            <a:endParaRPr lang="es-ES"/>
           </a:p>
         </p:txBody>
       </p:sp>
@@ -1640,38 +1629,37 @@
           <a:p>
             <a:pPr lvl="0"/>
             <a:r>
-              <a:rPr lang="es-ES" smtClean="0"/>
+              <a:rPr lang="es-ES"/>
               <a:t>Haga clic para modificar el estilo de texto del patrón</a:t>
             </a:r>
           </a:p>
           <a:p>
             <a:pPr lvl="1"/>
             <a:r>
-              <a:rPr lang="es-ES" smtClean="0"/>
+              <a:rPr lang="es-ES"/>
               <a:t>Segundo nivel</a:t>
             </a:r>
           </a:p>
           <a:p>
             <a:pPr lvl="2"/>
             <a:r>
-              <a:rPr lang="es-ES" smtClean="0"/>
+              <a:rPr lang="es-ES"/>
               <a:t>Tercer nivel</a:t>
             </a:r>
           </a:p>
           <a:p>
             <a:pPr lvl="3"/>
             <a:r>
-              <a:rPr lang="es-ES" smtClean="0"/>
+              <a:rPr lang="es-ES"/>
               <a:t>Cuarto nivel</a:t>
             </a:r>
           </a:p>
           <a:p>
             <a:pPr lvl="4"/>
             <a:r>
-              <a:rPr lang="es-ES" smtClean="0"/>
+              <a:rPr lang="es-ES"/>
               <a:t>Quinto nivel</a:t>
             </a:r>
-            <a:endParaRPr lang="es-ES"/>
           </a:p>
         </p:txBody>
       </p:sp>
@@ -1725,38 +1713,37 @@
           <a:p>
             <a:pPr lvl="0"/>
             <a:r>
-              <a:rPr lang="es-ES" smtClean="0"/>
+              <a:rPr lang="es-ES"/>
               <a:t>Haga clic para modificar el estilo de texto del patrón</a:t>
             </a:r>
           </a:p>
           <a:p>
             <a:pPr lvl="1"/>
             <a:r>
-              <a:rPr lang="es-ES" smtClean="0"/>
+              <a:rPr lang="es-ES"/>
               <a:t>Segundo nivel</a:t>
             </a:r>
           </a:p>
           <a:p>
             <a:pPr lvl="2"/>
             <a:r>
-              <a:rPr lang="es-ES" smtClean="0"/>
+              <a:rPr lang="es-ES"/>
               <a:t>Tercer nivel</a:t>
             </a:r>
           </a:p>
           <a:p>
             <a:pPr lvl="3"/>
             <a:r>
-              <a:rPr lang="es-ES" smtClean="0"/>
+              <a:rPr lang="es-ES"/>
               <a:t>Cuarto nivel</a:t>
             </a:r>
           </a:p>
           <a:p>
             <a:pPr lvl="4"/>
             <a:r>
-              <a:rPr lang="es-ES" smtClean="0"/>
+              <a:rPr lang="es-ES"/>
               <a:t>Quinto nivel</a:t>
             </a:r>
-            <a:endParaRPr lang="es-ES"/>
           </a:p>
         </p:txBody>
       </p:sp>
@@ -1778,7 +1765,7 @@
             <a:fld id="{7A847CFC-816F-41D0-AAC0-9BF4FEBC753E}" type="datetimeFigureOut">
               <a:rPr lang="es-ES" smtClean="0"/>
               <a:pPr/>
-              <a:t>30/05/2018</a:t>
+              <a:t>17/01/2020</a:t>
             </a:fld>
             <a:endParaRPr lang="es-ES"/>
           </a:p>
@@ -1821,7 +1808,7 @@
             <a:fld id="{132FADFE-3B8F-471C-ABF0-DBC7717ECBBC}" type="slidenum">
               <a:rPr lang="es-ES" smtClean="0"/>
               <a:pPr/>
-              <a:t>‹Nº›</a:t>
+              <a:t>‹#›</a:t>
             </a:fld>
             <a:endParaRPr lang="es-ES"/>
           </a:p>
@@ -1872,10 +1859,9 @@
           </a:lstStyle>
           <a:p>
             <a:r>
-              <a:rPr lang="es-ES" smtClean="0"/>
+              <a:rPr lang="es-ES"/>
               <a:t>Haga clic para modificar el estilo de título del patrón</a:t>
             </a:r>
-            <a:endParaRPr lang="es-ES"/>
           </a:p>
         </p:txBody>
       </p:sp>
@@ -1938,7 +1924,7 @@
           <a:p>
             <a:pPr lvl="0"/>
             <a:r>
-              <a:rPr lang="es-ES" smtClean="0"/>
+              <a:rPr lang="es-ES"/>
               <a:t>Haga clic para modificar el estilo de texto del patrón</a:t>
             </a:r>
           </a:p>
@@ -1994,38 +1980,37 @@
           <a:p>
             <a:pPr lvl="0"/>
             <a:r>
-              <a:rPr lang="es-ES" smtClean="0"/>
+              <a:rPr lang="es-ES"/>
               <a:t>Haga clic para modificar el estilo de texto del patrón</a:t>
             </a:r>
           </a:p>
           <a:p>
             <a:pPr lvl="1"/>
             <a:r>
-              <a:rPr lang="es-ES" smtClean="0"/>
+              <a:rPr lang="es-ES"/>
               <a:t>Segundo nivel</a:t>
             </a:r>
           </a:p>
           <a:p>
             <a:pPr lvl="2"/>
             <a:r>
-              <a:rPr lang="es-ES" smtClean="0"/>
+              <a:rPr lang="es-ES"/>
               <a:t>Tercer nivel</a:t>
             </a:r>
           </a:p>
           <a:p>
             <a:pPr lvl="3"/>
             <a:r>
-              <a:rPr lang="es-ES" smtClean="0"/>
+              <a:rPr lang="es-ES"/>
               <a:t>Cuarto nivel</a:t>
             </a:r>
           </a:p>
           <a:p>
             <a:pPr lvl="4"/>
             <a:r>
-              <a:rPr lang="es-ES" smtClean="0"/>
+              <a:rPr lang="es-ES"/>
               <a:t>Quinto nivel</a:t>
             </a:r>
-            <a:endParaRPr lang="es-ES"/>
           </a:p>
         </p:txBody>
       </p:sp>
@@ -2088,7 +2073,7 @@
           <a:p>
             <a:pPr lvl="0"/>
             <a:r>
-              <a:rPr lang="es-ES" smtClean="0"/>
+              <a:rPr lang="es-ES"/>
               <a:t>Haga clic para modificar el estilo de texto del patrón</a:t>
             </a:r>
           </a:p>
@@ -2144,38 +2129,37 @@
           <a:p>
             <a:pPr lvl="0"/>
             <a:r>
-              <a:rPr lang="es-ES" smtClean="0"/>
+              <a:rPr lang="es-ES"/>
               <a:t>Haga clic para modificar el estilo de texto del patrón</a:t>
             </a:r>
           </a:p>
           <a:p>
             <a:pPr lvl="1"/>
             <a:r>
-              <a:rPr lang="es-ES" smtClean="0"/>
+              <a:rPr lang="es-ES"/>
               <a:t>Segundo nivel</a:t>
             </a:r>
           </a:p>
           <a:p>
             <a:pPr lvl="2"/>
             <a:r>
-              <a:rPr lang="es-ES" smtClean="0"/>
+              <a:rPr lang="es-ES"/>
               <a:t>Tercer nivel</a:t>
             </a:r>
           </a:p>
           <a:p>
             <a:pPr lvl="3"/>
             <a:r>
-              <a:rPr lang="es-ES" smtClean="0"/>
+              <a:rPr lang="es-ES"/>
               <a:t>Cuarto nivel</a:t>
             </a:r>
           </a:p>
           <a:p>
             <a:pPr lvl="4"/>
             <a:r>
-              <a:rPr lang="es-ES" smtClean="0"/>
+              <a:rPr lang="es-ES"/>
               <a:t>Quinto nivel</a:t>
             </a:r>
-            <a:endParaRPr lang="es-ES"/>
           </a:p>
         </p:txBody>
       </p:sp>
@@ -2197,7 +2181,7 @@
             <a:fld id="{7A847CFC-816F-41D0-AAC0-9BF4FEBC753E}" type="datetimeFigureOut">
               <a:rPr lang="es-ES" smtClean="0"/>
               <a:pPr/>
-              <a:t>30/05/2018</a:t>
+              <a:t>17/01/2020</a:t>
             </a:fld>
             <a:endParaRPr lang="es-ES"/>
           </a:p>
@@ -2240,7 +2224,7 @@
             <a:fld id="{132FADFE-3B8F-471C-ABF0-DBC7717ECBBC}" type="slidenum">
               <a:rPr lang="es-ES" smtClean="0"/>
               <a:pPr/>
-              <a:t>‹Nº›</a:t>
+              <a:t>‹#›</a:t>
             </a:fld>
             <a:endParaRPr lang="es-ES"/>
           </a:p>
@@ -2287,10 +2271,9 @@
           <a:lstStyle/>
           <a:p>
             <a:r>
-              <a:rPr lang="es-ES" smtClean="0"/>
+              <a:rPr lang="es-ES"/>
               <a:t>Haga clic para modificar el estilo de título del patrón</a:t>
             </a:r>
-            <a:endParaRPr lang="es-ES"/>
           </a:p>
         </p:txBody>
       </p:sp>
@@ -2312,7 +2295,7 @@
             <a:fld id="{7A847CFC-816F-41D0-AAC0-9BF4FEBC753E}" type="datetimeFigureOut">
               <a:rPr lang="es-ES" smtClean="0"/>
               <a:pPr/>
-              <a:t>30/05/2018</a:t>
+              <a:t>17/01/2020</a:t>
             </a:fld>
             <a:endParaRPr lang="es-ES"/>
           </a:p>
@@ -2355,7 +2338,7 @@
             <a:fld id="{132FADFE-3B8F-471C-ABF0-DBC7717ECBBC}" type="slidenum">
               <a:rPr lang="es-ES" smtClean="0"/>
               <a:pPr/>
-              <a:t>‹Nº›</a:t>
+              <a:t>‹#›</a:t>
             </a:fld>
             <a:endParaRPr lang="es-ES"/>
           </a:p>
@@ -2404,7 +2387,7 @@
             <a:fld id="{7A847CFC-816F-41D0-AAC0-9BF4FEBC753E}" type="datetimeFigureOut">
               <a:rPr lang="es-ES" smtClean="0"/>
               <a:pPr/>
-              <a:t>30/05/2018</a:t>
+              <a:t>17/01/2020</a:t>
             </a:fld>
             <a:endParaRPr lang="es-ES"/>
           </a:p>
@@ -2447,7 +2430,7 @@
             <a:fld id="{132FADFE-3B8F-471C-ABF0-DBC7717ECBBC}" type="slidenum">
               <a:rPr lang="es-ES" smtClean="0"/>
               <a:pPr/>
-              <a:t>‹Nº›</a:t>
+              <a:t>‹#›</a:t>
             </a:fld>
             <a:endParaRPr lang="es-ES"/>
           </a:p>
@@ -2503,10 +2486,9 @@
           </a:lstStyle>
           <a:p>
             <a:r>
-              <a:rPr lang="es-ES" smtClean="0"/>
+              <a:rPr lang="es-ES"/>
               <a:t>Haga clic para modificar el estilo de título del patrón</a:t>
             </a:r>
-            <a:endParaRPr lang="es-ES"/>
           </a:p>
         </p:txBody>
       </p:sp>
@@ -2560,38 +2542,37 @@
           <a:p>
             <a:pPr lvl="0"/>
             <a:r>
-              <a:rPr lang="es-ES" smtClean="0"/>
+              <a:rPr lang="es-ES"/>
               <a:t>Haga clic para modificar el estilo de texto del patrón</a:t>
             </a:r>
           </a:p>
           <a:p>
             <a:pPr lvl="1"/>
             <a:r>
-              <a:rPr lang="es-ES" smtClean="0"/>
+              <a:rPr lang="es-ES"/>
               <a:t>Segundo nivel</a:t>
             </a:r>
           </a:p>
           <a:p>
             <a:pPr lvl="2"/>
             <a:r>
-              <a:rPr lang="es-ES" smtClean="0"/>
+              <a:rPr lang="es-ES"/>
               <a:t>Tercer nivel</a:t>
             </a:r>
           </a:p>
           <a:p>
             <a:pPr lvl="3"/>
             <a:r>
-              <a:rPr lang="es-ES" smtClean="0"/>
+              <a:rPr lang="es-ES"/>
               <a:t>Cuarto nivel</a:t>
             </a:r>
           </a:p>
           <a:p>
             <a:pPr lvl="4"/>
             <a:r>
-              <a:rPr lang="es-ES" smtClean="0"/>
+              <a:rPr lang="es-ES"/>
               <a:t>Quinto nivel</a:t>
             </a:r>
-            <a:endParaRPr lang="es-ES"/>
           </a:p>
         </p:txBody>
       </p:sp>
@@ -2654,7 +2635,7 @@
           <a:p>
             <a:pPr lvl="0"/>
             <a:r>
-              <a:rPr lang="es-ES" smtClean="0"/>
+              <a:rPr lang="es-ES"/>
               <a:t>Haga clic para modificar el estilo de texto del patrón</a:t>
             </a:r>
           </a:p>
@@ -2678,7 +2659,7 @@
             <a:fld id="{7A847CFC-816F-41D0-AAC0-9BF4FEBC753E}" type="datetimeFigureOut">
               <a:rPr lang="es-ES" smtClean="0"/>
               <a:pPr/>
-              <a:t>30/05/2018</a:t>
+              <a:t>17/01/2020</a:t>
             </a:fld>
             <a:endParaRPr lang="es-ES"/>
           </a:p>
@@ -2721,7 +2702,7 @@
             <a:fld id="{132FADFE-3B8F-471C-ABF0-DBC7717ECBBC}" type="slidenum">
               <a:rPr lang="es-ES" smtClean="0"/>
               <a:pPr/>
-              <a:t>‹Nº›</a:t>
+              <a:t>‹#›</a:t>
             </a:fld>
             <a:endParaRPr lang="es-ES"/>
           </a:p>
@@ -2777,10 +2758,9 @@
           </a:lstStyle>
           <a:p>
             <a:r>
-              <a:rPr lang="es-ES" smtClean="0"/>
+              <a:rPr lang="es-ES"/>
               <a:t>Haga clic para modificar el estilo de título del patrón</a:t>
             </a:r>
-            <a:endParaRPr lang="es-ES"/>
           </a:p>
         </p:txBody>
       </p:sp>
@@ -2904,7 +2884,7 @@
           <a:p>
             <a:pPr lvl="0"/>
             <a:r>
-              <a:rPr lang="es-ES" smtClean="0"/>
+              <a:rPr lang="es-ES"/>
               <a:t>Haga clic para modificar el estilo de texto del patrón</a:t>
             </a:r>
           </a:p>
@@ -2928,7 +2908,7 @@
             <a:fld id="{7A847CFC-816F-41D0-AAC0-9BF4FEBC753E}" type="datetimeFigureOut">
               <a:rPr lang="es-ES" smtClean="0"/>
               <a:pPr/>
-              <a:t>30/05/2018</a:t>
+              <a:t>17/01/2020</a:t>
             </a:fld>
             <a:endParaRPr lang="es-ES"/>
           </a:p>
@@ -2971,7 +2951,7 @@
             <a:fld id="{132FADFE-3B8F-471C-ABF0-DBC7717ECBBC}" type="slidenum">
               <a:rPr lang="es-ES" smtClean="0"/>
               <a:pPr/>
-              <a:t>‹Nº›</a:t>
+              <a:t>‹#›</a:t>
             </a:fld>
             <a:endParaRPr lang="es-ES"/>
           </a:p>
@@ -3033,10 +3013,9 @@
           <a:lstStyle/>
           <a:p>
             <a:r>
-              <a:rPr lang="es-ES" smtClean="0"/>
+              <a:rPr lang="es-ES"/>
               <a:t>Haga clic para modificar el estilo de título del patrón</a:t>
             </a:r>
-            <a:endParaRPr lang="es-ES"/>
           </a:p>
         </p:txBody>
       </p:sp>
@@ -3067,38 +3046,37 @@
           <a:p>
             <a:pPr lvl="0"/>
             <a:r>
-              <a:rPr lang="es-ES" smtClean="0"/>
+              <a:rPr lang="es-ES"/>
               <a:t>Haga clic para modificar el estilo de texto del patrón</a:t>
             </a:r>
           </a:p>
           <a:p>
             <a:pPr lvl="1"/>
             <a:r>
-              <a:rPr lang="es-ES" smtClean="0"/>
+              <a:rPr lang="es-ES"/>
               <a:t>Segundo nivel</a:t>
             </a:r>
           </a:p>
           <a:p>
             <a:pPr lvl="2"/>
             <a:r>
-              <a:rPr lang="es-ES" smtClean="0"/>
+              <a:rPr lang="es-ES"/>
               <a:t>Tercer nivel</a:t>
             </a:r>
           </a:p>
           <a:p>
             <a:pPr lvl="3"/>
             <a:r>
-              <a:rPr lang="es-ES" smtClean="0"/>
+              <a:rPr lang="es-ES"/>
               <a:t>Cuarto nivel</a:t>
             </a:r>
           </a:p>
           <a:p>
             <a:pPr lvl="4"/>
             <a:r>
-              <a:rPr lang="es-ES" smtClean="0"/>
+              <a:rPr lang="es-ES"/>
               <a:t>Quinto nivel</a:t>
             </a:r>
-            <a:endParaRPr lang="es-ES"/>
           </a:p>
         </p:txBody>
       </p:sp>
@@ -3138,7 +3116,7 @@
             <a:fld id="{7A847CFC-816F-41D0-AAC0-9BF4FEBC753E}" type="datetimeFigureOut">
               <a:rPr lang="es-ES" smtClean="0"/>
               <a:pPr/>
-              <a:t>30/05/2018</a:t>
+              <a:t>17/01/2020</a:t>
             </a:fld>
             <a:endParaRPr lang="es-ES"/>
           </a:p>
@@ -3217,7 +3195,7 @@
             <a:fld id="{132FADFE-3B8F-471C-ABF0-DBC7717ECBBC}" type="slidenum">
               <a:rPr lang="es-ES" smtClean="0"/>
               <a:pPr/>
-              <a:t>‹Nº›</a:t>
+              <a:t>‹#›</a:t>
             </a:fld>
             <a:endParaRPr lang="es-ES"/>
           </a:p>
@@ -3846,16 +3824,12 @@
           <a:lstStyle/>
           <a:p>
             <a:r>
-              <a:rPr lang="es-ES" sz="1100" b="1" i="1" dirty="0" smtClean="0">
+              <a:rPr lang="es-ES" sz="1100" b="1" i="1" dirty="0">
                 <a:latin typeface="Courier New" pitchFamily="49" charset="0"/>
                 <a:cs typeface="Courier New" pitchFamily="49" charset="0"/>
               </a:rPr>
               <a:t>S1</a:t>
             </a:r>
-            <a:endParaRPr lang="es-ES" sz="1100" b="1" i="1" dirty="0">
-              <a:latin typeface="Courier New" pitchFamily="49" charset="0"/>
-              <a:cs typeface="Courier New" pitchFamily="49" charset="0"/>
-            </a:endParaRPr>
           </a:p>
         </p:txBody>
       </p:sp>
@@ -3891,16 +3865,12 @@
           <a:lstStyle/>
           <a:p>
             <a:r>
-              <a:rPr lang="es-ES" sz="1100" b="1" i="1" dirty="0" smtClean="0">
+              <a:rPr lang="es-ES" sz="1100" b="1" i="1" dirty="0">
                 <a:latin typeface="Courier New" pitchFamily="49" charset="0"/>
                 <a:cs typeface="Courier New" pitchFamily="49" charset="0"/>
               </a:rPr>
               <a:t>S2</a:t>
             </a:r>
-            <a:endParaRPr lang="es-ES" sz="1100" b="1" i="1" dirty="0">
-              <a:latin typeface="Courier New" pitchFamily="49" charset="0"/>
-              <a:cs typeface="Courier New" pitchFamily="49" charset="0"/>
-            </a:endParaRPr>
           </a:p>
         </p:txBody>
       </p:sp>
@@ -3936,16 +3906,12 @@
           <a:lstStyle/>
           <a:p>
             <a:r>
-              <a:rPr lang="es-ES" sz="1100" b="1" i="1" dirty="0" smtClean="0">
+              <a:rPr lang="es-ES" sz="1100" b="1" i="1" dirty="0">
                 <a:latin typeface="Courier New" pitchFamily="49" charset="0"/>
                 <a:cs typeface="Courier New" pitchFamily="49" charset="0"/>
               </a:rPr>
               <a:t>S3</a:t>
             </a:r>
-            <a:endParaRPr lang="es-ES" sz="1100" b="1" i="1" dirty="0">
-              <a:latin typeface="Courier New" pitchFamily="49" charset="0"/>
-              <a:cs typeface="Courier New" pitchFamily="49" charset="0"/>
-            </a:endParaRPr>
           </a:p>
         </p:txBody>
       </p:sp>
@@ -3981,16 +3947,12 @@
           <a:lstStyle/>
           <a:p>
             <a:r>
-              <a:rPr lang="es-ES" sz="1100" b="1" i="1" dirty="0" smtClean="0">
+              <a:rPr lang="es-ES" sz="1100" b="1" i="1" dirty="0">
                 <a:latin typeface="Courier New" pitchFamily="49" charset="0"/>
                 <a:cs typeface="Courier New" pitchFamily="49" charset="0"/>
               </a:rPr>
               <a:t>S4</a:t>
             </a:r>
-            <a:endParaRPr lang="es-ES" sz="1100" b="1" i="1" dirty="0">
-              <a:latin typeface="Courier New" pitchFamily="49" charset="0"/>
-              <a:cs typeface="Courier New" pitchFamily="49" charset="0"/>
-            </a:endParaRPr>
           </a:p>
         </p:txBody>
       </p:sp>
@@ -4026,16 +3988,12 @@
           <a:lstStyle/>
           <a:p>
             <a:r>
-              <a:rPr lang="es-ES" sz="1100" b="1" i="1" dirty="0" smtClean="0">
+              <a:rPr lang="es-ES" sz="1100" b="1" i="1" dirty="0">
                 <a:latin typeface="Courier New" pitchFamily="49" charset="0"/>
                 <a:cs typeface="Courier New" pitchFamily="49" charset="0"/>
               </a:rPr>
               <a:t>S6</a:t>
             </a:r>
-            <a:endParaRPr lang="es-ES" sz="1100" b="1" i="1" dirty="0">
-              <a:latin typeface="Courier New" pitchFamily="49" charset="0"/>
-              <a:cs typeface="Courier New" pitchFamily="49" charset="0"/>
-            </a:endParaRPr>
           </a:p>
         </p:txBody>
       </p:sp>
@@ -4071,7 +4029,7 @@
           <a:lstStyle/>
           <a:p>
             <a:r>
-              <a:rPr lang="es-ES" sz="1200" b="1" i="1" dirty="0" smtClean="0">
+              <a:rPr lang="es-ES" sz="1200" b="1" i="1" dirty="0">
                 <a:latin typeface="Courier New" pitchFamily="49" charset="0"/>
                 <a:cs typeface="Courier New" pitchFamily="49" charset="0"/>
               </a:rPr>
@@ -4112,16 +4070,12 @@
           <a:lstStyle/>
           <a:p>
             <a:r>
-              <a:rPr lang="es-ES" sz="1100" b="1" i="1" dirty="0" smtClean="0">
+              <a:rPr lang="es-ES" sz="1100" b="1" i="1" dirty="0">
                 <a:latin typeface="Courier New" pitchFamily="49" charset="0"/>
                 <a:cs typeface="Courier New" pitchFamily="49" charset="0"/>
               </a:rPr>
               <a:t>S5</a:t>
             </a:r>
-            <a:endParaRPr lang="es-ES" sz="1100" b="1" i="1" dirty="0">
-              <a:latin typeface="Courier New" pitchFamily="49" charset="0"/>
-              <a:cs typeface="Courier New" pitchFamily="49" charset="0"/>
-            </a:endParaRPr>
           </a:p>
         </p:txBody>
       </p:sp>
@@ -4157,16 +4111,12 @@
           <a:lstStyle/>
           <a:p>
             <a:r>
-              <a:rPr lang="es-ES" sz="1100" b="1" i="1" dirty="0" smtClean="0">
+              <a:rPr lang="es-ES" sz="1100" b="1" i="1" dirty="0">
                 <a:latin typeface="Courier New" pitchFamily="49" charset="0"/>
                 <a:cs typeface="Courier New" pitchFamily="49" charset="0"/>
               </a:rPr>
               <a:t>S7</a:t>
             </a:r>
-            <a:endParaRPr lang="es-ES" sz="1100" b="1" i="1" dirty="0">
-              <a:latin typeface="Courier New" pitchFamily="49" charset="0"/>
-              <a:cs typeface="Courier New" pitchFamily="49" charset="0"/>
-            </a:endParaRPr>
           </a:p>
         </p:txBody>
       </p:sp>
@@ -4202,16 +4152,12 @@
           <a:lstStyle/>
           <a:p>
             <a:r>
-              <a:rPr lang="es-ES" sz="1100" b="1" i="1" dirty="0" smtClean="0">
+              <a:rPr lang="es-ES" sz="1100" b="1" i="1" dirty="0">
                 <a:latin typeface="Courier New" pitchFamily="49" charset="0"/>
                 <a:cs typeface="Courier New" pitchFamily="49" charset="0"/>
               </a:rPr>
               <a:t>S8</a:t>
             </a:r>
-            <a:endParaRPr lang="es-ES" sz="1100" b="1" i="1" dirty="0">
-              <a:latin typeface="Courier New" pitchFamily="49" charset="0"/>
-              <a:cs typeface="Courier New" pitchFamily="49" charset="0"/>
-            </a:endParaRPr>
           </a:p>
         </p:txBody>
       </p:sp>
@@ -4247,16 +4193,12 @@
           <a:lstStyle/>
           <a:p>
             <a:r>
-              <a:rPr lang="es-ES" sz="1100" b="1" i="1" dirty="0" smtClean="0">
+              <a:rPr lang="es-ES" sz="1100" b="1" i="1" dirty="0">
                 <a:latin typeface="Courier New" pitchFamily="49" charset="0"/>
                 <a:cs typeface="Courier New" pitchFamily="49" charset="0"/>
               </a:rPr>
               <a:t>S9</a:t>
             </a:r>
-            <a:endParaRPr lang="es-ES" sz="1100" b="1" i="1" dirty="0">
-              <a:latin typeface="Courier New" pitchFamily="49" charset="0"/>
-              <a:cs typeface="Courier New" pitchFamily="49" charset="0"/>
-            </a:endParaRPr>
           </a:p>
         </p:txBody>
       </p:sp>
@@ -4292,16 +4234,12 @@
           <a:lstStyle/>
           <a:p>
             <a:r>
-              <a:rPr lang="es-ES" sz="1100" b="1" i="1" dirty="0" smtClean="0">
+              <a:rPr lang="es-ES" sz="1100" b="1" i="1" dirty="0">
                 <a:latin typeface="Courier New" pitchFamily="49" charset="0"/>
                 <a:cs typeface="Courier New" pitchFamily="49" charset="0"/>
               </a:rPr>
               <a:t>S11</a:t>
             </a:r>
-            <a:endParaRPr lang="es-ES" sz="1100" b="1" i="1" dirty="0">
-              <a:latin typeface="Courier New" pitchFamily="49" charset="0"/>
-              <a:cs typeface="Courier New" pitchFamily="49" charset="0"/>
-            </a:endParaRPr>
           </a:p>
         </p:txBody>
       </p:sp>
@@ -4337,16 +4275,12 @@
           <a:lstStyle/>
           <a:p>
             <a:r>
-              <a:rPr lang="es-ES" sz="1100" b="1" i="1" dirty="0" smtClean="0">
+              <a:rPr lang="es-ES" sz="1100" b="1" i="1" dirty="0">
                 <a:latin typeface="Courier New" pitchFamily="49" charset="0"/>
                 <a:cs typeface="Courier New" pitchFamily="49" charset="0"/>
               </a:rPr>
               <a:t>S12</a:t>
             </a:r>
-            <a:endParaRPr lang="es-ES" sz="1100" b="1" i="1" dirty="0">
-              <a:latin typeface="Courier New" pitchFamily="49" charset="0"/>
-              <a:cs typeface="Courier New" pitchFamily="49" charset="0"/>
-            </a:endParaRPr>
           </a:p>
         </p:txBody>
       </p:sp>
@@ -4382,16 +4316,12 @@
           <a:lstStyle/>
           <a:p>
             <a:r>
-              <a:rPr lang="es-ES" sz="1100" b="1" i="1" dirty="0" smtClean="0">
+              <a:rPr lang="es-ES" sz="1100" b="1" i="1" dirty="0">
                 <a:latin typeface="Courier New" pitchFamily="49" charset="0"/>
                 <a:cs typeface="Courier New" pitchFamily="49" charset="0"/>
               </a:rPr>
               <a:t>S14</a:t>
             </a:r>
-            <a:endParaRPr lang="es-ES" sz="1100" b="1" i="1" dirty="0">
-              <a:latin typeface="Courier New" pitchFamily="49" charset="0"/>
-              <a:cs typeface="Courier New" pitchFamily="49" charset="0"/>
-            </a:endParaRPr>
           </a:p>
         </p:txBody>
       </p:sp>
@@ -4427,16 +4357,12 @@
           <a:lstStyle/>
           <a:p>
             <a:r>
-              <a:rPr lang="es-ES" sz="1100" b="1" i="1" dirty="0" smtClean="0">
+              <a:rPr lang="es-ES" sz="1100" b="1" i="1" dirty="0">
                 <a:latin typeface="Courier New" pitchFamily="49" charset="0"/>
                 <a:cs typeface="Courier New" pitchFamily="49" charset="0"/>
               </a:rPr>
               <a:t>S13</a:t>
             </a:r>
-            <a:endParaRPr lang="es-ES" sz="1100" b="1" i="1" dirty="0">
-              <a:latin typeface="Courier New" pitchFamily="49" charset="0"/>
-              <a:cs typeface="Courier New" pitchFamily="49" charset="0"/>
-            </a:endParaRPr>
           </a:p>
         </p:txBody>
       </p:sp>
@@ -4504,20 +4430,11 @@
           <a:lstStyle/>
           <a:p>
             <a:r>
-              <a:rPr lang="es-ES" sz="800" b="1" i="1" dirty="0" smtClean="0">
+              <a:rPr lang="es-ES" sz="800" b="1" i="1" dirty="0">
                 <a:latin typeface="Arial Narrow" pitchFamily="34" charset="0"/>
               </a:rPr>
-              <a:t>LINE </a:t>
-            </a:r>
-            <a:r>
-              <a:rPr lang="es-ES" sz="800" b="1" i="1" dirty="0" smtClean="0">
-                <a:latin typeface="Arial Narrow" pitchFamily="34" charset="0"/>
-              </a:rPr>
-              <a:t>1</a:t>
-            </a:r>
-            <a:endParaRPr lang="es-ES" sz="800" b="1" i="1" dirty="0">
-              <a:latin typeface="Arial Narrow" pitchFamily="34" charset="0"/>
-            </a:endParaRPr>
+              <a:t>LINE 1</a:t>
+            </a:r>
           </a:p>
         </p:txBody>
       </p:sp>
@@ -4584,20 +4501,11 @@
           <a:lstStyle/>
           <a:p>
             <a:r>
-              <a:rPr lang="es-ES" sz="800" b="1" i="1" dirty="0" smtClean="0">
+              <a:rPr lang="es-ES" sz="800" b="1" i="1" dirty="0">
                 <a:latin typeface="Arial Narrow" pitchFamily="34" charset="0"/>
               </a:rPr>
-              <a:t>LINE </a:t>
-            </a:r>
-            <a:r>
-              <a:rPr lang="es-ES" sz="800" b="1" i="1" dirty="0" smtClean="0">
-                <a:latin typeface="Arial Narrow" pitchFamily="34" charset="0"/>
-              </a:rPr>
-              <a:t>2</a:t>
-            </a:r>
-            <a:endParaRPr lang="es-ES" sz="800" b="1" i="1" dirty="0">
-              <a:latin typeface="Arial Narrow" pitchFamily="34" charset="0"/>
-            </a:endParaRPr>
+              <a:t>LINE 2</a:t>
+            </a:r>
           </a:p>
         </p:txBody>
       </p:sp>
@@ -4677,14 +4585,11 @@
           <a:lstStyle/>
           <a:p>
             <a:r>
-              <a:rPr lang="es-ES" sz="800" b="1" dirty="0" smtClean="0">
+              <a:rPr lang="es-ES" sz="800" b="1" dirty="0">
                 <a:latin typeface="Arial Narrow" pitchFamily="34" charset="0"/>
               </a:rPr>
               <a:t>LINE 1</a:t>
             </a:r>
-            <a:endParaRPr lang="es-ES" sz="800" b="1" dirty="0">
-              <a:latin typeface="Arial Narrow" pitchFamily="34" charset="0"/>
-            </a:endParaRPr>
           </a:p>
         </p:txBody>
       </p:sp>
@@ -4711,14 +4616,11 @@
           <a:lstStyle/>
           <a:p>
             <a:r>
-              <a:rPr lang="es-ES" sz="800" b="1" dirty="0" smtClean="0">
+              <a:rPr lang="es-ES" sz="800" b="1" dirty="0">
                 <a:latin typeface="Arial Narrow" pitchFamily="34" charset="0"/>
               </a:rPr>
               <a:t>LINE 2</a:t>
             </a:r>
-            <a:endParaRPr lang="es-ES" sz="800" b="1" dirty="0">
-              <a:latin typeface="Arial Narrow" pitchFamily="34" charset="0"/>
-            </a:endParaRPr>
           </a:p>
         </p:txBody>
       </p:sp>
@@ -4745,84 +4647,447 @@
           <a:lstStyle/>
           <a:p>
             <a:r>
-              <a:rPr lang="es-ES" sz="800" i="1" dirty="0" smtClean="0">
+              <a:rPr lang="es-ES" sz="800" i="1" dirty="0">
                 <a:latin typeface="Courier New" panose="02070309020205020404" pitchFamily="49" charset="0"/>
                 <a:cs typeface="Courier New" panose="02070309020205020404" pitchFamily="49" charset="0"/>
               </a:rPr>
               <a:t>-  </a:t>
             </a:r>
             <a:r>
-              <a:rPr lang="es-ES" sz="800" b="1" i="1" dirty="0" smtClean="0">
+              <a:rPr lang="es-ES" sz="800" b="1" i="1" dirty="0">
                 <a:latin typeface="Courier New" panose="02070309020205020404" pitchFamily="49" charset="0"/>
                 <a:cs typeface="Courier New" panose="02070309020205020404" pitchFamily="49" charset="0"/>
               </a:rPr>
               <a:t>S1</a:t>
             </a:r>
             <a:r>
-              <a:rPr lang="es-ES" sz="800" i="1" dirty="0" smtClean="0">
+              <a:rPr lang="es-ES" sz="800" i="1" dirty="0">
                 <a:latin typeface="Courier New" panose="02070309020205020404" pitchFamily="49" charset="0"/>
                 <a:cs typeface="Courier New" panose="02070309020205020404" pitchFamily="49" charset="0"/>
               </a:rPr>
               <a:t> – S2 –  S3 – S10 –  S4 – S7 –  S8 – S9 – </a:t>
             </a:r>
             <a:r>
-              <a:rPr lang="es-ES" sz="800" b="1" i="1" dirty="0" smtClean="0">
+              <a:rPr lang="es-ES" sz="800" b="1" i="1" dirty="0">
                 <a:latin typeface="Courier New" panose="02070309020205020404" pitchFamily="49" charset="0"/>
                 <a:cs typeface="Courier New" panose="02070309020205020404" pitchFamily="49" charset="0"/>
               </a:rPr>
               <a:t>S14</a:t>
             </a:r>
             <a:r>
-              <a:rPr lang="es-ES" sz="800" i="1" dirty="0" smtClean="0">
+              <a:rPr lang="es-ES" sz="800" i="1" dirty="0">
                 <a:latin typeface="Courier New" panose="02070309020205020404" pitchFamily="49" charset="0"/>
                 <a:cs typeface="Courier New" panose="02070309020205020404" pitchFamily="49" charset="0"/>
               </a:rPr>
               <a:t>  (</a:t>
             </a:r>
             <a:r>
-              <a:rPr lang="es-ES" sz="800" i="1" dirty="0" err="1" smtClean="0">
+              <a:rPr lang="es-ES" sz="800" i="1" dirty="0" err="1">
                 <a:latin typeface="Courier New" panose="02070309020205020404" pitchFamily="49" charset="0"/>
                 <a:cs typeface="Courier New" panose="02070309020205020404" pitchFamily="49" charset="0"/>
               </a:rPr>
               <a:t>sequence</a:t>
             </a:r>
             <a:r>
-              <a:rPr lang="es-ES" sz="800" i="1" dirty="0" smtClean="0">
+              <a:rPr lang="es-ES" sz="800" i="1" dirty="0">
                 <a:latin typeface="Courier New" panose="02070309020205020404" pitchFamily="49" charset="0"/>
                 <a:cs typeface="Courier New" panose="02070309020205020404" pitchFamily="49" charset="0"/>
               </a:rPr>
               <a:t> of </a:t>
             </a:r>
             <a:r>
-              <a:rPr lang="es-ES" sz="800" i="1" dirty="0" err="1" smtClean="0">
+              <a:rPr lang="es-ES" sz="800" i="1" dirty="0" err="1">
                 <a:latin typeface="Courier New" panose="02070309020205020404" pitchFamily="49" charset="0"/>
                 <a:cs typeface="Courier New" panose="02070309020205020404" pitchFamily="49" charset="0"/>
               </a:rPr>
               <a:t>stops</a:t>
             </a:r>
             <a:r>
-              <a:rPr lang="es-ES" sz="800" i="1" dirty="0" smtClean="0">
+              <a:rPr lang="es-ES" sz="800" i="1" dirty="0">
                 <a:latin typeface="Courier New" panose="02070309020205020404" pitchFamily="49" charset="0"/>
                 <a:cs typeface="Courier New" panose="02070309020205020404" pitchFamily="49" charset="0"/>
               </a:rPr>
               <a:t>)</a:t>
+            </a:r>
+          </a:p>
+        </p:txBody>
+      </p:sp>
+      <p:sp>
+        <p:nvSpPr>
+          <p:cNvPr id="237" name="62 CuadroTexto"/>
+          <p:cNvSpPr txBox="1"/>
+          <p:nvPr/>
+        </p:nvSpPr>
+        <p:spPr>
+          <a:xfrm>
+            <a:off x="2096197" y="3363370"/>
+            <a:ext cx="5159229" cy="246221"/>
+          </a:xfrm>
+          <a:prstGeom prst="rect">
+            <a:avLst/>
+          </a:prstGeom>
+          <a:noFill/>
+        </p:spPr>
+        <p:txBody>
+          <a:bodyPr wrap="square" lIns="0" tIns="0" rIns="0" bIns="0" rtlCol="0">
+            <a:spAutoFit/>
+          </a:bodyPr>
+          <a:lstStyle/>
+          <a:p>
+            <a:r>
+              <a:rPr lang="es-ES" sz="800" i="1" dirty="0">
+                <a:latin typeface="Courier New" panose="02070309020205020404" pitchFamily="49" charset="0"/>
+                <a:cs typeface="Courier New" panose="02070309020205020404" pitchFamily="49" charset="0"/>
+              </a:rPr>
+              <a:t>- </a:t>
+            </a:r>
+            <a:r>
+              <a:rPr lang="es-ES" sz="800" b="1" i="1" dirty="0">
+                <a:latin typeface="Courier New" panose="02070309020205020404" pitchFamily="49" charset="0"/>
+                <a:cs typeface="Courier New" panose="02070309020205020404" pitchFamily="49" charset="0"/>
+              </a:rPr>
+              <a:t>S13</a:t>
+            </a:r>
+            <a:r>
+              <a:rPr lang="es-ES" sz="800" i="1" dirty="0">
+                <a:latin typeface="Courier New" panose="02070309020205020404" pitchFamily="49" charset="0"/>
+                <a:cs typeface="Courier New" panose="02070309020205020404" pitchFamily="49" charset="0"/>
+              </a:rPr>
+              <a:t> – S6 – S10 –  S5 – S11 – S9 – </a:t>
+            </a:r>
+            <a:r>
+              <a:rPr lang="es-ES" sz="800" b="1" i="1" dirty="0">
+                <a:latin typeface="Courier New" panose="02070309020205020404" pitchFamily="49" charset="0"/>
+                <a:cs typeface="Courier New" panose="02070309020205020404" pitchFamily="49" charset="0"/>
+              </a:rPr>
+              <a:t>S12</a:t>
+            </a:r>
+            <a:r>
+              <a:rPr lang="es-ES" sz="800" i="1" dirty="0">
+                <a:latin typeface="Courier New" panose="02070309020205020404" pitchFamily="49" charset="0"/>
+                <a:cs typeface="Courier New" panose="02070309020205020404" pitchFamily="49" charset="0"/>
+              </a:rPr>
+              <a:t>             (</a:t>
+            </a:r>
+            <a:r>
+              <a:rPr lang="es-ES" sz="800" i="1" dirty="0" err="1">
+                <a:latin typeface="Courier New" panose="02070309020205020404" pitchFamily="49" charset="0"/>
+                <a:cs typeface="Courier New" panose="02070309020205020404" pitchFamily="49" charset="0"/>
+              </a:rPr>
+              <a:t>sequence</a:t>
+            </a:r>
+            <a:r>
+              <a:rPr lang="es-ES" sz="800" i="1" dirty="0">
+                <a:latin typeface="Courier New" panose="02070309020205020404" pitchFamily="49" charset="0"/>
+                <a:cs typeface="Courier New" panose="02070309020205020404" pitchFamily="49" charset="0"/>
+              </a:rPr>
+              <a:t> of </a:t>
+            </a:r>
+            <a:r>
+              <a:rPr lang="es-ES" sz="800" i="1" dirty="0" err="1">
+                <a:latin typeface="Courier New" panose="02070309020205020404" pitchFamily="49" charset="0"/>
+                <a:cs typeface="Courier New" panose="02070309020205020404" pitchFamily="49" charset="0"/>
+              </a:rPr>
+              <a:t>stops</a:t>
+            </a:r>
+            <a:r>
+              <a:rPr lang="es-ES" sz="800" i="1" dirty="0">
+                <a:latin typeface="Courier New" panose="02070309020205020404" pitchFamily="49" charset="0"/>
+                <a:cs typeface="Courier New" panose="02070309020205020404" pitchFamily="49" charset="0"/>
+              </a:rPr>
+              <a:t>)</a:t>
+            </a:r>
+          </a:p>
+          <a:p>
+            <a:r>
+              <a:rPr lang="es-ES" sz="800" i="1" dirty="0">
+                <a:latin typeface="Courier New" panose="02070309020205020404" pitchFamily="49" charset="0"/>
+                <a:cs typeface="Courier New" panose="02070309020205020404" pitchFamily="49" charset="0"/>
+              </a:rPr>
+              <a:t> </a:t>
+            </a:r>
+          </a:p>
+        </p:txBody>
+      </p:sp>
+      <p:sp>
+        <p:nvSpPr>
+          <p:cNvPr id="238" name="62 CuadroTexto"/>
+          <p:cNvSpPr txBox="1"/>
+          <p:nvPr/>
+        </p:nvSpPr>
+        <p:spPr>
+          <a:xfrm>
+            <a:off x="2108897" y="2841129"/>
+            <a:ext cx="5159229" cy="123111"/>
+          </a:xfrm>
+          <a:prstGeom prst="rect">
+            <a:avLst/>
+          </a:prstGeom>
+          <a:noFill/>
+        </p:spPr>
+        <p:txBody>
+          <a:bodyPr wrap="square" lIns="0" tIns="0" rIns="0" bIns="0" rtlCol="0">
+            <a:spAutoFit/>
+          </a:bodyPr>
+          <a:lstStyle/>
+          <a:p>
+            <a:r>
+              <a:rPr lang="es-ES" sz="800" i="1" dirty="0">
+                <a:latin typeface="Courier New" panose="02070309020205020404" pitchFamily="49" charset="0"/>
+                <a:cs typeface="Courier New" panose="02070309020205020404" pitchFamily="49" charset="0"/>
+              </a:rPr>
+              <a:t>    0  180   305   415   550  679   790  883   980  (</a:t>
+            </a:r>
+            <a:r>
+              <a:rPr lang="es-ES" sz="800" i="1" dirty="0" err="1">
+                <a:latin typeface="Courier New" panose="02070309020205020404" pitchFamily="49" charset="0"/>
+                <a:cs typeface="Courier New" panose="02070309020205020404" pitchFamily="49" charset="0"/>
+              </a:rPr>
+              <a:t>avg</a:t>
+            </a:r>
+            <a:r>
+              <a:rPr lang="es-ES" sz="800" i="1" dirty="0">
+                <a:latin typeface="Courier New" panose="02070309020205020404" pitchFamily="49" charset="0"/>
+                <a:cs typeface="Courier New" panose="02070309020205020404" pitchFamily="49" charset="0"/>
+              </a:rPr>
+              <a:t> </a:t>
+            </a:r>
+            <a:r>
+              <a:rPr lang="es-ES" sz="800" i="1" dirty="0" err="1">
+                <a:latin typeface="Courier New" panose="02070309020205020404" pitchFamily="49" charset="0"/>
+                <a:cs typeface="Courier New" panose="02070309020205020404" pitchFamily="49" charset="0"/>
+              </a:rPr>
+              <a:t>estimated</a:t>
+            </a:r>
+            <a:r>
+              <a:rPr lang="es-ES" sz="800" i="1" dirty="0">
+                <a:latin typeface="Courier New" panose="02070309020205020404" pitchFamily="49" charset="0"/>
+                <a:cs typeface="Courier New" panose="02070309020205020404" pitchFamily="49" charset="0"/>
+              </a:rPr>
+              <a:t> time –in </a:t>
+            </a:r>
+            <a:r>
+              <a:rPr lang="es-ES" sz="800" i="1" dirty="0" err="1">
+                <a:latin typeface="Courier New" panose="02070309020205020404" pitchFamily="49" charset="0"/>
+                <a:cs typeface="Courier New" panose="02070309020205020404" pitchFamily="49" charset="0"/>
+              </a:rPr>
+              <a:t>seconds</a:t>
+            </a:r>
+            <a:r>
+              <a:rPr lang="es-ES" sz="800" i="1" dirty="0">
+                <a:latin typeface="Courier New" panose="02070309020205020404" pitchFamily="49" charset="0"/>
+                <a:cs typeface="Courier New" panose="02070309020205020404" pitchFamily="49" charset="0"/>
+              </a:rPr>
+              <a:t>-)     </a:t>
+            </a:r>
+          </a:p>
+        </p:txBody>
+      </p:sp>
+      <p:sp>
+        <p:nvSpPr>
+          <p:cNvPr id="239" name="62 CuadroTexto"/>
+          <p:cNvSpPr txBox="1"/>
+          <p:nvPr/>
+        </p:nvSpPr>
+        <p:spPr>
+          <a:xfrm>
+            <a:off x="2140594" y="3509420"/>
+            <a:ext cx="5159229" cy="123111"/>
+          </a:xfrm>
+          <a:prstGeom prst="rect">
+            <a:avLst/>
+          </a:prstGeom>
+          <a:noFill/>
+        </p:spPr>
+        <p:txBody>
+          <a:bodyPr wrap="square" lIns="0" tIns="0" rIns="0" bIns="0" rtlCol="0">
+            <a:spAutoFit/>
+          </a:bodyPr>
+          <a:lstStyle/>
+          <a:p>
+            <a:r>
+              <a:rPr lang="es-ES" sz="800" i="1" dirty="0">
+                <a:latin typeface="Courier New" panose="02070309020205020404" pitchFamily="49" charset="0"/>
+                <a:cs typeface="Courier New" panose="02070309020205020404" pitchFamily="49" charset="0"/>
+              </a:rPr>
+              <a:t>    0  140   300   433   550  700  805             (</a:t>
+            </a:r>
+            <a:r>
+              <a:rPr lang="es-ES" sz="800" i="1" dirty="0" err="1">
+                <a:latin typeface="Courier New" panose="02070309020205020404" pitchFamily="49" charset="0"/>
+                <a:cs typeface="Courier New" panose="02070309020205020404" pitchFamily="49" charset="0"/>
+              </a:rPr>
+              <a:t>avg</a:t>
+            </a:r>
+            <a:r>
+              <a:rPr lang="es-ES" sz="800" i="1" dirty="0">
+                <a:latin typeface="Courier New" panose="02070309020205020404" pitchFamily="49" charset="0"/>
+                <a:cs typeface="Courier New" panose="02070309020205020404" pitchFamily="49" charset="0"/>
+              </a:rPr>
+              <a:t> </a:t>
+            </a:r>
+            <a:r>
+              <a:rPr lang="es-ES" sz="800" i="1" dirty="0" err="1">
+                <a:latin typeface="Courier New" panose="02070309020205020404" pitchFamily="49" charset="0"/>
+                <a:cs typeface="Courier New" panose="02070309020205020404" pitchFamily="49" charset="0"/>
+              </a:rPr>
+              <a:t>estimated</a:t>
+            </a:r>
+            <a:r>
+              <a:rPr lang="es-ES" sz="800" i="1" dirty="0">
+                <a:latin typeface="Courier New" panose="02070309020205020404" pitchFamily="49" charset="0"/>
+                <a:cs typeface="Courier New" panose="02070309020205020404" pitchFamily="49" charset="0"/>
+              </a:rPr>
+              <a:t> time –in </a:t>
+            </a:r>
+            <a:r>
+              <a:rPr lang="es-ES" sz="800" i="1" dirty="0" err="1">
+                <a:latin typeface="Courier New" panose="02070309020205020404" pitchFamily="49" charset="0"/>
+                <a:cs typeface="Courier New" panose="02070309020205020404" pitchFamily="49" charset="0"/>
+              </a:rPr>
+              <a:t>seconds</a:t>
+            </a:r>
+            <a:r>
+              <a:rPr lang="es-ES" sz="800" i="1" dirty="0">
+                <a:latin typeface="Courier New" panose="02070309020205020404" pitchFamily="49" charset="0"/>
+                <a:cs typeface="Courier New" panose="02070309020205020404" pitchFamily="49" charset="0"/>
+              </a:rPr>
+              <a:t>-)  </a:t>
+            </a:r>
+          </a:p>
+        </p:txBody>
+      </p:sp>
+      <p:sp>
+        <p:nvSpPr>
+          <p:cNvPr id="240" name="62 CuadroTexto"/>
+          <p:cNvSpPr txBox="1"/>
+          <p:nvPr/>
+        </p:nvSpPr>
+        <p:spPr>
+          <a:xfrm>
+            <a:off x="1880173" y="2993529"/>
+            <a:ext cx="5159229" cy="246221"/>
+          </a:xfrm>
+          <a:prstGeom prst="rect">
+            <a:avLst/>
+          </a:prstGeom>
+          <a:noFill/>
+        </p:spPr>
+        <p:txBody>
+          <a:bodyPr wrap="square" lIns="0" tIns="0" rIns="0" bIns="0" rtlCol="0">
+            <a:spAutoFit/>
+          </a:bodyPr>
+          <a:lstStyle/>
+          <a:p>
+            <a:r>
+              <a:rPr lang="es-ES" sz="800" i="1" dirty="0">
+                <a:latin typeface="Courier New" panose="02070309020205020404" pitchFamily="49" charset="0"/>
+                <a:cs typeface="Courier New" panose="02070309020205020404" pitchFamily="49" charset="0"/>
+              </a:rPr>
+              <a:t> </a:t>
+            </a:r>
+            <a:r>
+              <a:rPr lang="es-ES" sz="800" b="1" i="1" dirty="0" err="1">
+                <a:latin typeface="Courier New" panose="02070309020205020404" pitchFamily="49" charset="0"/>
+                <a:cs typeface="Courier New" panose="02070309020205020404" pitchFamily="49" charset="0"/>
+              </a:rPr>
+              <a:t>journeys</a:t>
+            </a:r>
+            <a:r>
+              <a:rPr lang="es-ES" sz="800" i="1" dirty="0">
+                <a:latin typeface="Courier New" panose="02070309020205020404" pitchFamily="49" charset="0"/>
+                <a:cs typeface="Courier New" panose="02070309020205020404" pitchFamily="49" charset="0"/>
+              </a:rPr>
+              <a:t> </a:t>
+            </a:r>
+            <a:r>
+              <a:rPr lang="es-ES" sz="800" i="1" dirty="0" err="1">
+                <a:latin typeface="Courier New" panose="02070309020205020404" pitchFamily="49" charset="0"/>
+                <a:cs typeface="Courier New" panose="02070309020205020404" pitchFamily="49" charset="0"/>
+              </a:rPr>
+              <a:t>departing</a:t>
+            </a:r>
+            <a:r>
+              <a:rPr lang="es-ES" sz="800" i="1" dirty="0">
+                <a:latin typeface="Courier New" panose="02070309020205020404" pitchFamily="49" charset="0"/>
+                <a:cs typeface="Courier New" panose="02070309020205020404" pitchFamily="49" charset="0"/>
+              </a:rPr>
+              <a:t> </a:t>
+            </a:r>
+            <a:r>
+              <a:rPr lang="es-ES" sz="800" i="1" dirty="0" err="1">
+                <a:latin typeface="Courier New" panose="02070309020205020404" pitchFamily="49" charset="0"/>
+                <a:cs typeface="Courier New" panose="02070309020205020404" pitchFamily="49" charset="0"/>
+              </a:rPr>
+              <a:t>each</a:t>
+            </a:r>
+            <a:r>
+              <a:rPr lang="es-ES" sz="800" i="1" dirty="0">
+                <a:latin typeface="Courier New" panose="02070309020205020404" pitchFamily="49" charset="0"/>
+                <a:cs typeface="Courier New" panose="02070309020205020404" pitchFamily="49" charset="0"/>
+              </a:rPr>
+              <a:t> </a:t>
+            </a:r>
+            <a:r>
+              <a:rPr lang="es-ES" sz="800" i="1" dirty="0" err="1">
+                <a:latin typeface="Courier New" panose="02070309020205020404" pitchFamily="49" charset="0"/>
+                <a:cs typeface="Courier New" panose="02070309020205020404" pitchFamily="49" charset="0"/>
+              </a:rPr>
+              <a:t>day</a:t>
             </a:r>
             <a:endParaRPr lang="es-ES" sz="800" i="1" dirty="0">
               <a:latin typeface="Courier New" panose="02070309020205020404" pitchFamily="49" charset="0"/>
               <a:cs typeface="Courier New" panose="02070309020205020404" pitchFamily="49" charset="0"/>
             </a:endParaRPr>
           </a:p>
-        </p:txBody>
-      </p:sp>
-      <p:sp>
-        <p:nvSpPr>
-          <p:cNvPr id="237" name="62 CuadroTexto"/>
+          <a:p>
+            <a:r>
+              <a:rPr lang="es-ES" sz="800" i="1" dirty="0">
+                <a:latin typeface="Courier New" panose="02070309020205020404" pitchFamily="49" charset="0"/>
+                <a:cs typeface="Courier New" panose="02070309020205020404" pitchFamily="49" charset="0"/>
+              </a:rPr>
+              <a:t> </a:t>
+            </a:r>
+            <a:r>
+              <a:rPr lang="es-ES" sz="800" i="1" dirty="0" err="1">
+                <a:latin typeface="Courier New" panose="02070309020205020404" pitchFamily="49" charset="0"/>
+                <a:cs typeface="Courier New" panose="02070309020205020404" pitchFamily="49" charset="0"/>
+              </a:rPr>
+              <a:t>from</a:t>
+            </a:r>
+            <a:r>
+              <a:rPr lang="es-ES" sz="800" i="1" dirty="0">
+                <a:latin typeface="Courier New" panose="02070309020205020404" pitchFamily="49" charset="0"/>
+                <a:cs typeface="Courier New" panose="02070309020205020404" pitchFamily="49" charset="0"/>
+              </a:rPr>
+              <a:t> 6:00 to 23:40 </a:t>
+            </a:r>
+            <a:r>
+              <a:rPr lang="es-ES" sz="800" i="1" dirty="0" err="1">
+                <a:latin typeface="Courier New" panose="02070309020205020404" pitchFamily="49" charset="0"/>
+                <a:cs typeface="Courier New" panose="02070309020205020404" pitchFamily="49" charset="0"/>
+              </a:rPr>
+              <a:t>every</a:t>
+            </a:r>
+            <a:r>
+              <a:rPr lang="es-ES" sz="800" i="1" dirty="0">
+                <a:latin typeface="Courier New" panose="02070309020205020404" pitchFamily="49" charset="0"/>
+                <a:cs typeface="Courier New" panose="02070309020205020404" pitchFamily="49" charset="0"/>
+              </a:rPr>
+              <a:t> 20 minutes: </a:t>
+            </a:r>
+          </a:p>
+        </p:txBody>
+      </p:sp>
+      <p:sp>
+        <p:nvSpPr>
+          <p:cNvPr id="242" name="62 CuadroTexto"/>
           <p:cNvSpPr txBox="1"/>
           <p:nvPr/>
         </p:nvSpPr>
         <p:spPr>
           <a:xfrm>
-            <a:off x="2096197" y="3363370"/>
+            <a:off x="1869663" y="3659786"/>
             <a:ext cx="5159229" cy="246221"/>
           </a:xfrm>
           <a:prstGeom prst="rect">
@@ -4837,32 +5102,11 @@
           <a:lstStyle/>
           <a:p>
             <a:r>
-              <a:rPr lang="es-ES" sz="800" i="1" dirty="0" smtClean="0">
-                <a:latin typeface="Courier New" panose="02070309020205020404" pitchFamily="49" charset="0"/>
-                <a:cs typeface="Courier New" panose="02070309020205020404" pitchFamily="49" charset="0"/>
-              </a:rPr>
-              <a:t>- </a:t>
-            </a:r>
-            <a:r>
-              <a:rPr lang="es-ES" sz="800" b="1" i="1" dirty="0" smtClean="0">
-                <a:latin typeface="Courier New" panose="02070309020205020404" pitchFamily="49" charset="0"/>
-                <a:cs typeface="Courier New" panose="02070309020205020404" pitchFamily="49" charset="0"/>
-              </a:rPr>
-              <a:t>S13</a:t>
-            </a:r>
-            <a:r>
-              <a:rPr lang="es-ES" sz="800" i="1" dirty="0" smtClean="0">
-                <a:latin typeface="Courier New" panose="02070309020205020404" pitchFamily="49" charset="0"/>
-                <a:cs typeface="Courier New" panose="02070309020205020404" pitchFamily="49" charset="0"/>
-              </a:rPr>
-              <a:t> – S6 – S10 –  S5 – S11 – S9 – </a:t>
-            </a:r>
-            <a:r>
-              <a:rPr lang="es-ES" sz="800" b="1" i="1" dirty="0" smtClean="0">
-                <a:latin typeface="Courier New" panose="02070309020205020404" pitchFamily="49" charset="0"/>
-                <a:cs typeface="Courier New" panose="02070309020205020404" pitchFamily="49" charset="0"/>
-              </a:rPr>
-              <a:t>S12</a:t>
+              <a:rPr lang="es-ES" sz="800" b="1" i="1" dirty="0" err="1">
+                <a:latin typeface="Courier New" panose="02070309020205020404" pitchFamily="49" charset="0"/>
+                <a:cs typeface="Courier New" panose="02070309020205020404" pitchFamily="49" charset="0"/>
+              </a:rPr>
+              <a:t>journeys</a:t>
             </a:r>
             <a:r>
               <a:rPr lang="es-ES" sz="800" i="1" dirty="0">
@@ -4872,66 +5116,87 @@
               <a:t> </a:t>
             </a:r>
             <a:r>
-              <a:rPr lang="es-ES" sz="800" i="1" dirty="0" smtClean="0">
-                <a:latin typeface="Courier New" panose="02070309020205020404" pitchFamily="49" charset="0"/>
-                <a:cs typeface="Courier New" panose="02070309020205020404" pitchFamily="49" charset="0"/>
-              </a:rPr>
-              <a:t>            (</a:t>
-            </a:r>
-            <a:r>
               <a:rPr lang="es-ES" sz="800" i="1" dirty="0" err="1">
                 <a:latin typeface="Courier New" panose="02070309020205020404" pitchFamily="49" charset="0"/>
                 <a:cs typeface="Courier New" panose="02070309020205020404" pitchFamily="49" charset="0"/>
               </a:rPr>
-              <a:t>sequence</a:t>
+              <a:t>departing</a:t>
             </a:r>
             <a:r>
               <a:rPr lang="es-ES" sz="800" i="1" dirty="0">
                 <a:latin typeface="Courier New" panose="02070309020205020404" pitchFamily="49" charset="0"/>
                 <a:cs typeface="Courier New" panose="02070309020205020404" pitchFamily="49" charset="0"/>
               </a:rPr>
-              <a:t> of </a:t>
+              <a:t> </a:t>
             </a:r>
             <a:r>
               <a:rPr lang="es-ES" sz="800" i="1" dirty="0" err="1">
                 <a:latin typeface="Courier New" panose="02070309020205020404" pitchFamily="49" charset="0"/>
                 <a:cs typeface="Courier New" panose="02070309020205020404" pitchFamily="49" charset="0"/>
               </a:rPr>
-              <a:t>stops</a:t>
+              <a:t>each</a:t>
             </a:r>
             <a:r>
               <a:rPr lang="es-ES" sz="800" i="1" dirty="0">
                 <a:latin typeface="Courier New" panose="02070309020205020404" pitchFamily="49" charset="0"/>
                 <a:cs typeface="Courier New" panose="02070309020205020404" pitchFamily="49" charset="0"/>
               </a:rPr>
-              <a:t>)</a:t>
-            </a:r>
-          </a:p>
-          <a:p>
-            <a:r>
-              <a:rPr lang="es-ES" sz="800" i="1" dirty="0" smtClean="0">
-                <a:latin typeface="Courier New" panose="02070309020205020404" pitchFamily="49" charset="0"/>
-                <a:cs typeface="Courier New" panose="02070309020205020404" pitchFamily="49" charset="0"/>
-              </a:rPr>
               <a:t> </a:t>
+            </a:r>
+            <a:r>
+              <a:rPr lang="es-ES" sz="800" i="1" dirty="0" err="1">
+                <a:latin typeface="Courier New" panose="02070309020205020404" pitchFamily="49" charset="0"/>
+                <a:cs typeface="Courier New" panose="02070309020205020404" pitchFamily="49" charset="0"/>
+              </a:rPr>
+              <a:t>day</a:t>
             </a:r>
             <a:endParaRPr lang="es-ES" sz="800" i="1" dirty="0">
               <a:latin typeface="Courier New" panose="02070309020205020404" pitchFamily="49" charset="0"/>
               <a:cs typeface="Courier New" panose="02070309020205020404" pitchFamily="49" charset="0"/>
             </a:endParaRPr>
           </a:p>
-        </p:txBody>
-      </p:sp>
-      <p:sp>
-        <p:nvSpPr>
-          <p:cNvPr id="238" name="62 CuadroTexto"/>
+          <a:p>
+            <a:r>
+              <a:rPr lang="es-ES" sz="800" i="1" dirty="0" err="1">
+                <a:latin typeface="Courier New" panose="02070309020205020404" pitchFamily="49" charset="0"/>
+                <a:cs typeface="Courier New" panose="02070309020205020404" pitchFamily="49" charset="0"/>
+              </a:rPr>
+              <a:t>from</a:t>
+            </a:r>
+            <a:r>
+              <a:rPr lang="es-ES" sz="800" i="1" dirty="0">
+                <a:latin typeface="Courier New" panose="02070309020205020404" pitchFamily="49" charset="0"/>
+                <a:cs typeface="Courier New" panose="02070309020205020404" pitchFamily="49" charset="0"/>
+              </a:rPr>
+              <a:t> 6:00 to 00:30 </a:t>
+            </a:r>
+            <a:r>
+              <a:rPr lang="es-ES" sz="800" i="1" dirty="0" err="1">
+                <a:latin typeface="Courier New" panose="02070309020205020404" pitchFamily="49" charset="0"/>
+                <a:cs typeface="Courier New" panose="02070309020205020404" pitchFamily="49" charset="0"/>
+              </a:rPr>
+              <a:t>every</a:t>
+            </a:r>
+            <a:r>
+              <a:rPr lang="es-ES" sz="800" i="1" dirty="0">
+                <a:latin typeface="Courier New" panose="02070309020205020404" pitchFamily="49" charset="0"/>
+                <a:cs typeface="Courier New" panose="02070309020205020404" pitchFamily="49" charset="0"/>
+              </a:rPr>
+              <a:t> 15 minutes: </a:t>
+            </a:r>
+          </a:p>
+        </p:txBody>
+      </p:sp>
+      <p:sp>
+        <p:nvSpPr>
+          <p:cNvPr id="243" name="62 CuadroTexto"/>
           <p:cNvSpPr txBox="1"/>
           <p:nvPr/>
         </p:nvSpPr>
         <p:spPr>
           <a:xfrm>
-            <a:off x="2108897" y="2841129"/>
-            <a:ext cx="5159229" cy="123111"/>
+            <a:off x="1403648" y="2503175"/>
+            <a:ext cx="1024967" cy="138499"/>
           </a:xfrm>
           <a:prstGeom prst="rect">
             <a:avLst/>
@@ -4945,420 +5210,19 @@
           <a:lstStyle/>
           <a:p>
             <a:r>
-              <a:rPr lang="es-ES" sz="800" i="1" dirty="0">
-                <a:latin typeface="Courier New" panose="02070309020205020404" pitchFamily="49" charset="0"/>
-                <a:cs typeface="Courier New" panose="02070309020205020404" pitchFamily="49" charset="0"/>
-              </a:rPr>
-              <a:t> </a:t>
-            </a:r>
-            <a:r>
-              <a:rPr lang="es-ES" sz="800" i="1" dirty="0" smtClean="0">
-                <a:latin typeface="Courier New" panose="02070309020205020404" pitchFamily="49" charset="0"/>
-                <a:cs typeface="Courier New" panose="02070309020205020404" pitchFamily="49" charset="0"/>
-              </a:rPr>
-              <a:t>   0  180   305   415   550  679   790  883   980  (</a:t>
-            </a:r>
-            <a:r>
-              <a:rPr lang="es-ES" sz="800" i="1" dirty="0" err="1" smtClean="0">
-                <a:latin typeface="Courier New" panose="02070309020205020404" pitchFamily="49" charset="0"/>
-                <a:cs typeface="Courier New" panose="02070309020205020404" pitchFamily="49" charset="0"/>
-              </a:rPr>
-              <a:t>avg</a:t>
-            </a:r>
-            <a:r>
-              <a:rPr lang="es-ES" sz="800" i="1" dirty="0" smtClean="0">
-                <a:latin typeface="Courier New" panose="02070309020205020404" pitchFamily="49" charset="0"/>
-                <a:cs typeface="Courier New" panose="02070309020205020404" pitchFamily="49" charset="0"/>
-              </a:rPr>
-              <a:t> </a:t>
-            </a:r>
-            <a:r>
-              <a:rPr lang="es-ES" sz="800" i="1" dirty="0" err="1" smtClean="0">
-                <a:latin typeface="Courier New" panose="02070309020205020404" pitchFamily="49" charset="0"/>
-                <a:cs typeface="Courier New" panose="02070309020205020404" pitchFamily="49" charset="0"/>
-              </a:rPr>
-              <a:t>estimated</a:t>
-            </a:r>
-            <a:r>
-              <a:rPr lang="es-ES" sz="800" i="1" dirty="0" smtClean="0">
-                <a:latin typeface="Courier New" panose="02070309020205020404" pitchFamily="49" charset="0"/>
-                <a:cs typeface="Courier New" panose="02070309020205020404" pitchFamily="49" charset="0"/>
-              </a:rPr>
-              <a:t> time –in </a:t>
-            </a:r>
-            <a:r>
-              <a:rPr lang="es-ES" sz="800" i="1" dirty="0" err="1" smtClean="0">
-                <a:latin typeface="Courier New" panose="02070309020205020404" pitchFamily="49" charset="0"/>
-                <a:cs typeface="Courier New" panose="02070309020205020404" pitchFamily="49" charset="0"/>
-              </a:rPr>
-              <a:t>seconds</a:t>
-            </a:r>
-            <a:r>
-              <a:rPr lang="es-ES" sz="800" i="1" dirty="0" smtClean="0">
-                <a:latin typeface="Courier New" panose="02070309020205020404" pitchFamily="49" charset="0"/>
-                <a:cs typeface="Courier New" panose="02070309020205020404" pitchFamily="49" charset="0"/>
-              </a:rPr>
-              <a:t>-)     </a:t>
-            </a:r>
-            <a:endParaRPr lang="es-ES" sz="800" i="1" dirty="0">
-              <a:latin typeface="Courier New" panose="02070309020205020404" pitchFamily="49" charset="0"/>
-              <a:cs typeface="Courier New" panose="02070309020205020404" pitchFamily="49" charset="0"/>
-            </a:endParaRPr>
-          </a:p>
-        </p:txBody>
-      </p:sp>
-      <p:sp>
-        <p:nvSpPr>
-          <p:cNvPr id="239" name="62 CuadroTexto"/>
-          <p:cNvSpPr txBox="1"/>
-          <p:nvPr/>
-        </p:nvSpPr>
-        <p:spPr>
-          <a:xfrm>
-            <a:off x="2140594" y="3509420"/>
-            <a:ext cx="5159229" cy="123111"/>
-          </a:xfrm>
-          <a:prstGeom prst="rect">
-            <a:avLst/>
-          </a:prstGeom>
-          <a:noFill/>
-        </p:spPr>
-        <p:txBody>
-          <a:bodyPr wrap="square" lIns="0" tIns="0" rIns="0" bIns="0" rtlCol="0">
-            <a:spAutoFit/>
-          </a:bodyPr>
-          <a:lstStyle/>
-          <a:p>
-            <a:r>
-              <a:rPr lang="es-ES" sz="800" i="1" dirty="0" smtClean="0">
-                <a:latin typeface="Courier New" panose="02070309020205020404" pitchFamily="49" charset="0"/>
-                <a:cs typeface="Courier New" panose="02070309020205020404" pitchFamily="49" charset="0"/>
-              </a:rPr>
-              <a:t>    0  140   300   433   550  700  805             (</a:t>
-            </a:r>
-            <a:r>
-              <a:rPr lang="es-ES" sz="800" i="1" dirty="0" err="1" smtClean="0">
-                <a:latin typeface="Courier New" panose="02070309020205020404" pitchFamily="49" charset="0"/>
-                <a:cs typeface="Courier New" panose="02070309020205020404" pitchFamily="49" charset="0"/>
-              </a:rPr>
-              <a:t>avg</a:t>
-            </a:r>
-            <a:r>
-              <a:rPr lang="es-ES" sz="800" i="1" dirty="0" smtClean="0">
-                <a:latin typeface="Courier New" panose="02070309020205020404" pitchFamily="49" charset="0"/>
-                <a:cs typeface="Courier New" panose="02070309020205020404" pitchFamily="49" charset="0"/>
-              </a:rPr>
-              <a:t> </a:t>
-            </a:r>
-            <a:r>
-              <a:rPr lang="es-ES" sz="800" i="1" dirty="0" err="1" smtClean="0">
-                <a:latin typeface="Courier New" panose="02070309020205020404" pitchFamily="49" charset="0"/>
-                <a:cs typeface="Courier New" panose="02070309020205020404" pitchFamily="49" charset="0"/>
-              </a:rPr>
-              <a:t>estimated</a:t>
-            </a:r>
-            <a:r>
-              <a:rPr lang="es-ES" sz="800" i="1" dirty="0" smtClean="0">
-                <a:latin typeface="Courier New" panose="02070309020205020404" pitchFamily="49" charset="0"/>
-                <a:cs typeface="Courier New" panose="02070309020205020404" pitchFamily="49" charset="0"/>
-              </a:rPr>
-              <a:t> time –in </a:t>
-            </a:r>
-            <a:r>
-              <a:rPr lang="es-ES" sz="800" i="1" dirty="0" err="1" smtClean="0">
-                <a:latin typeface="Courier New" panose="02070309020205020404" pitchFamily="49" charset="0"/>
-                <a:cs typeface="Courier New" panose="02070309020205020404" pitchFamily="49" charset="0"/>
-              </a:rPr>
-              <a:t>seconds</a:t>
-            </a:r>
-            <a:r>
-              <a:rPr lang="es-ES" sz="800" i="1" dirty="0" smtClean="0">
-                <a:latin typeface="Courier New" panose="02070309020205020404" pitchFamily="49" charset="0"/>
-                <a:cs typeface="Courier New" panose="02070309020205020404" pitchFamily="49" charset="0"/>
-              </a:rPr>
-              <a:t>-)  </a:t>
-            </a:r>
-            <a:endParaRPr lang="es-ES" sz="800" i="1" dirty="0">
-              <a:latin typeface="Courier New" panose="02070309020205020404" pitchFamily="49" charset="0"/>
-              <a:cs typeface="Courier New" panose="02070309020205020404" pitchFamily="49" charset="0"/>
-            </a:endParaRPr>
-          </a:p>
-        </p:txBody>
-      </p:sp>
-      <p:sp>
-        <p:nvSpPr>
-          <p:cNvPr id="240" name="62 CuadroTexto"/>
-          <p:cNvSpPr txBox="1"/>
-          <p:nvPr/>
-        </p:nvSpPr>
-        <p:spPr>
-          <a:xfrm>
-            <a:off x="1880173" y="2993529"/>
-            <a:ext cx="5159229" cy="246221"/>
-          </a:xfrm>
-          <a:prstGeom prst="rect">
-            <a:avLst/>
-          </a:prstGeom>
-          <a:noFill/>
-        </p:spPr>
-        <p:txBody>
-          <a:bodyPr wrap="square" lIns="0" tIns="0" rIns="0" bIns="0" rtlCol="0">
-            <a:spAutoFit/>
-          </a:bodyPr>
-          <a:lstStyle/>
-          <a:p>
-            <a:r>
-              <a:rPr lang="es-ES" sz="800" i="1" dirty="0">
-                <a:latin typeface="Courier New" panose="02070309020205020404" pitchFamily="49" charset="0"/>
-                <a:cs typeface="Courier New" panose="02070309020205020404" pitchFamily="49" charset="0"/>
-              </a:rPr>
-              <a:t> </a:t>
-            </a:r>
-            <a:r>
-              <a:rPr lang="es-ES" sz="800" b="1" i="1" dirty="0" err="1" smtClean="0">
-                <a:latin typeface="Courier New" panose="02070309020205020404" pitchFamily="49" charset="0"/>
-                <a:cs typeface="Courier New" panose="02070309020205020404" pitchFamily="49" charset="0"/>
-              </a:rPr>
-              <a:t>journeys</a:t>
-            </a:r>
-            <a:r>
-              <a:rPr lang="es-ES" sz="800" i="1" dirty="0" smtClean="0">
-                <a:latin typeface="Courier New" panose="02070309020205020404" pitchFamily="49" charset="0"/>
-                <a:cs typeface="Courier New" panose="02070309020205020404" pitchFamily="49" charset="0"/>
-              </a:rPr>
-              <a:t> </a:t>
-            </a:r>
-            <a:r>
-              <a:rPr lang="es-ES" sz="800" i="1" dirty="0" err="1" smtClean="0">
-                <a:latin typeface="Courier New" panose="02070309020205020404" pitchFamily="49" charset="0"/>
-                <a:cs typeface="Courier New" panose="02070309020205020404" pitchFamily="49" charset="0"/>
-              </a:rPr>
-              <a:t>departing</a:t>
-            </a:r>
-            <a:r>
-              <a:rPr lang="es-ES" sz="800" i="1" dirty="0" smtClean="0">
-                <a:latin typeface="Courier New" panose="02070309020205020404" pitchFamily="49" charset="0"/>
-                <a:cs typeface="Courier New" panose="02070309020205020404" pitchFamily="49" charset="0"/>
-              </a:rPr>
-              <a:t> </a:t>
-            </a:r>
-            <a:r>
-              <a:rPr lang="es-ES" sz="800" i="1" dirty="0" err="1" smtClean="0">
-                <a:latin typeface="Courier New" panose="02070309020205020404" pitchFamily="49" charset="0"/>
-                <a:cs typeface="Courier New" panose="02070309020205020404" pitchFamily="49" charset="0"/>
-              </a:rPr>
-              <a:t>each</a:t>
-            </a:r>
-            <a:r>
-              <a:rPr lang="es-ES" sz="800" i="1" dirty="0" smtClean="0">
-                <a:latin typeface="Courier New" panose="02070309020205020404" pitchFamily="49" charset="0"/>
-                <a:cs typeface="Courier New" panose="02070309020205020404" pitchFamily="49" charset="0"/>
-              </a:rPr>
-              <a:t> </a:t>
-            </a:r>
-            <a:r>
-              <a:rPr lang="es-ES" sz="800" i="1" dirty="0" err="1" smtClean="0">
-                <a:latin typeface="Courier New" panose="02070309020205020404" pitchFamily="49" charset="0"/>
-                <a:cs typeface="Courier New" panose="02070309020205020404" pitchFamily="49" charset="0"/>
-              </a:rPr>
-              <a:t>day</a:t>
-            </a:r>
-            <a:endParaRPr lang="es-ES" sz="800" i="1" dirty="0" smtClean="0">
-              <a:latin typeface="Courier New" panose="02070309020205020404" pitchFamily="49" charset="0"/>
-              <a:cs typeface="Courier New" panose="02070309020205020404" pitchFamily="49" charset="0"/>
-            </a:endParaRPr>
-          </a:p>
-          <a:p>
-            <a:r>
-              <a:rPr lang="es-ES" sz="800" i="1" dirty="0" smtClean="0">
-                <a:latin typeface="Courier New" panose="02070309020205020404" pitchFamily="49" charset="0"/>
-                <a:cs typeface="Courier New" panose="02070309020205020404" pitchFamily="49" charset="0"/>
-              </a:rPr>
-              <a:t> </a:t>
-            </a:r>
-            <a:r>
-              <a:rPr lang="es-ES" sz="800" i="1" dirty="0" err="1" smtClean="0">
-                <a:latin typeface="Courier New" panose="02070309020205020404" pitchFamily="49" charset="0"/>
-                <a:cs typeface="Courier New" panose="02070309020205020404" pitchFamily="49" charset="0"/>
-              </a:rPr>
-              <a:t>from</a:t>
-            </a:r>
-            <a:r>
-              <a:rPr lang="es-ES" sz="800" i="1" dirty="0" smtClean="0">
-                <a:latin typeface="Courier New" panose="02070309020205020404" pitchFamily="49" charset="0"/>
-                <a:cs typeface="Courier New" panose="02070309020205020404" pitchFamily="49" charset="0"/>
-              </a:rPr>
-              <a:t> 6:00 to 23:40 </a:t>
-            </a:r>
-            <a:r>
-              <a:rPr lang="es-ES" sz="800" i="1" dirty="0" err="1" smtClean="0">
-                <a:latin typeface="Courier New" panose="02070309020205020404" pitchFamily="49" charset="0"/>
-                <a:cs typeface="Courier New" panose="02070309020205020404" pitchFamily="49" charset="0"/>
-              </a:rPr>
-              <a:t>every</a:t>
-            </a:r>
-            <a:r>
-              <a:rPr lang="es-ES" sz="800" i="1" dirty="0" smtClean="0">
-                <a:latin typeface="Courier New" panose="02070309020205020404" pitchFamily="49" charset="0"/>
-                <a:cs typeface="Courier New" panose="02070309020205020404" pitchFamily="49" charset="0"/>
-              </a:rPr>
-              <a:t> 20 minutes: </a:t>
-            </a:r>
-            <a:endParaRPr lang="es-ES" sz="800" i="1" dirty="0">
-              <a:latin typeface="Courier New" panose="02070309020205020404" pitchFamily="49" charset="0"/>
-              <a:cs typeface="Courier New" panose="02070309020205020404" pitchFamily="49" charset="0"/>
-            </a:endParaRPr>
-          </a:p>
-        </p:txBody>
-      </p:sp>
-      <p:sp>
-        <p:nvSpPr>
-          <p:cNvPr id="242" name="62 CuadroTexto"/>
-          <p:cNvSpPr txBox="1"/>
-          <p:nvPr/>
-        </p:nvSpPr>
-        <p:spPr>
-          <a:xfrm>
-            <a:off x="1869663" y="3659786"/>
-            <a:ext cx="5159229" cy="246221"/>
-          </a:xfrm>
-          <a:prstGeom prst="rect">
-            <a:avLst/>
-          </a:prstGeom>
-          <a:noFill/>
-        </p:spPr>
-        <p:txBody>
-          <a:bodyPr wrap="square" lIns="0" tIns="0" rIns="0" bIns="0" rtlCol="0">
-            <a:spAutoFit/>
-          </a:bodyPr>
-          <a:lstStyle/>
-          <a:p>
-            <a:r>
-              <a:rPr lang="es-ES" sz="800" b="1" i="1" dirty="0" err="1" smtClean="0">
-                <a:latin typeface="Courier New" panose="02070309020205020404" pitchFamily="49" charset="0"/>
-                <a:cs typeface="Courier New" panose="02070309020205020404" pitchFamily="49" charset="0"/>
-              </a:rPr>
-              <a:t>journeys</a:t>
-            </a:r>
-            <a:r>
-              <a:rPr lang="es-ES" sz="800" i="1" dirty="0" smtClean="0">
-                <a:latin typeface="Courier New" panose="02070309020205020404" pitchFamily="49" charset="0"/>
-                <a:cs typeface="Courier New" panose="02070309020205020404" pitchFamily="49" charset="0"/>
-              </a:rPr>
-              <a:t> </a:t>
-            </a:r>
-            <a:r>
-              <a:rPr lang="es-ES" sz="800" i="1" dirty="0" err="1" smtClean="0">
-                <a:latin typeface="Courier New" panose="02070309020205020404" pitchFamily="49" charset="0"/>
-                <a:cs typeface="Courier New" panose="02070309020205020404" pitchFamily="49" charset="0"/>
-              </a:rPr>
-              <a:t>departing</a:t>
-            </a:r>
-            <a:r>
-              <a:rPr lang="es-ES" sz="800" i="1" dirty="0" smtClean="0">
-                <a:latin typeface="Courier New" panose="02070309020205020404" pitchFamily="49" charset="0"/>
-                <a:cs typeface="Courier New" panose="02070309020205020404" pitchFamily="49" charset="0"/>
-              </a:rPr>
-              <a:t> </a:t>
-            </a:r>
-            <a:r>
-              <a:rPr lang="es-ES" sz="800" i="1" dirty="0" err="1" smtClean="0">
-                <a:latin typeface="Courier New" panose="02070309020205020404" pitchFamily="49" charset="0"/>
-                <a:cs typeface="Courier New" panose="02070309020205020404" pitchFamily="49" charset="0"/>
-              </a:rPr>
-              <a:t>each</a:t>
-            </a:r>
-            <a:r>
-              <a:rPr lang="es-ES" sz="800" i="1" dirty="0" smtClean="0">
-                <a:latin typeface="Courier New" panose="02070309020205020404" pitchFamily="49" charset="0"/>
-                <a:cs typeface="Courier New" panose="02070309020205020404" pitchFamily="49" charset="0"/>
-              </a:rPr>
-              <a:t> </a:t>
-            </a:r>
-            <a:r>
-              <a:rPr lang="es-ES" sz="800" i="1" dirty="0" err="1" smtClean="0">
-                <a:latin typeface="Courier New" panose="02070309020205020404" pitchFamily="49" charset="0"/>
-                <a:cs typeface="Courier New" panose="02070309020205020404" pitchFamily="49" charset="0"/>
-              </a:rPr>
-              <a:t>day</a:t>
-            </a:r>
-            <a:endParaRPr lang="es-ES" sz="800" i="1" dirty="0" smtClean="0">
-              <a:latin typeface="Courier New" panose="02070309020205020404" pitchFamily="49" charset="0"/>
-              <a:cs typeface="Courier New" panose="02070309020205020404" pitchFamily="49" charset="0"/>
-            </a:endParaRPr>
-          </a:p>
-          <a:p>
-            <a:r>
-              <a:rPr lang="es-ES" sz="800" i="1" dirty="0" err="1" smtClean="0">
-                <a:latin typeface="Courier New" panose="02070309020205020404" pitchFamily="49" charset="0"/>
-                <a:cs typeface="Courier New" panose="02070309020205020404" pitchFamily="49" charset="0"/>
-              </a:rPr>
-              <a:t>from</a:t>
-            </a:r>
-            <a:r>
-              <a:rPr lang="es-ES" sz="800" i="1" dirty="0" smtClean="0">
-                <a:latin typeface="Courier New" panose="02070309020205020404" pitchFamily="49" charset="0"/>
-                <a:cs typeface="Courier New" panose="02070309020205020404" pitchFamily="49" charset="0"/>
-              </a:rPr>
-              <a:t> 6:00 to 00:30 </a:t>
-            </a:r>
-            <a:r>
-              <a:rPr lang="es-ES" sz="800" i="1" dirty="0" err="1" smtClean="0">
-                <a:latin typeface="Courier New" panose="02070309020205020404" pitchFamily="49" charset="0"/>
-                <a:cs typeface="Courier New" panose="02070309020205020404" pitchFamily="49" charset="0"/>
-              </a:rPr>
-              <a:t>every</a:t>
-            </a:r>
-            <a:r>
-              <a:rPr lang="es-ES" sz="800" i="1" dirty="0" smtClean="0">
-                <a:latin typeface="Courier New" panose="02070309020205020404" pitchFamily="49" charset="0"/>
-                <a:cs typeface="Courier New" panose="02070309020205020404" pitchFamily="49" charset="0"/>
-              </a:rPr>
-              <a:t> 15 minutes: </a:t>
-            </a:r>
-            <a:endParaRPr lang="es-ES" sz="800" i="1" dirty="0">
-              <a:latin typeface="Courier New" panose="02070309020205020404" pitchFamily="49" charset="0"/>
-              <a:cs typeface="Courier New" panose="02070309020205020404" pitchFamily="49" charset="0"/>
-            </a:endParaRPr>
-          </a:p>
-        </p:txBody>
-      </p:sp>
-      <p:sp>
-        <p:nvSpPr>
-          <p:cNvPr id="243" name="62 CuadroTexto"/>
-          <p:cNvSpPr txBox="1"/>
-          <p:nvPr/>
-        </p:nvSpPr>
-        <p:spPr>
-          <a:xfrm>
-            <a:off x="1403648" y="2503175"/>
-            <a:ext cx="1024967" cy="138499"/>
-          </a:xfrm>
-          <a:prstGeom prst="rect">
-            <a:avLst/>
-          </a:prstGeom>
-          <a:noFill/>
-        </p:spPr>
-        <p:txBody>
-          <a:bodyPr wrap="square" lIns="0" tIns="0" rIns="0" bIns="0" rtlCol="0">
-            <a:spAutoFit/>
-          </a:bodyPr>
-          <a:lstStyle/>
-          <a:p>
-            <a:r>
-              <a:rPr lang="es-ES" sz="900" b="1" dirty="0" err="1" smtClean="0">
+              <a:rPr lang="es-ES" sz="900" b="1" dirty="0" err="1">
                 <a:latin typeface="Arial Narrow" pitchFamily="34" charset="0"/>
               </a:rPr>
               <a:t>Description</a:t>
             </a:r>
             <a:r>
-              <a:rPr lang="es-ES" sz="900" b="1" dirty="0" smtClean="0">
+              <a:rPr lang="es-ES" sz="900" b="1" dirty="0">
                 <a:latin typeface="Arial Narrow" pitchFamily="34" charset="0"/>
               </a:rPr>
               <a:t> of </a:t>
             </a:r>
             <a:r>
-              <a:rPr lang="es-ES" sz="900" b="1" dirty="0" err="1" smtClean="0">
+              <a:rPr lang="es-ES" sz="900" b="1" dirty="0" err="1">
                 <a:latin typeface="Arial Narrow" pitchFamily="34" charset="0"/>
               </a:rPr>
               <a:t>lines</a:t>
@@ -5959,14 +5823,11 @@
           <a:lstStyle/>
           <a:p>
             <a:r>
-              <a:rPr lang="es-ES" sz="800" b="1" dirty="0" smtClean="0">
+              <a:rPr lang="es-ES" sz="800" b="1" dirty="0">
                 <a:latin typeface="Arial Narrow" pitchFamily="34" charset="0"/>
               </a:rPr>
               <a:t>STOPS</a:t>
             </a:r>
-            <a:endParaRPr lang="es-ES" sz="800" b="1" dirty="0">
-              <a:latin typeface="Arial Narrow" pitchFamily="34" charset="0"/>
-            </a:endParaRPr>
           </a:p>
         </p:txBody>
       </p:sp>
@@ -5993,16 +5854,12 @@
           <a:lstStyle/>
           <a:p>
             <a:r>
-              <a:rPr lang="es-ES" sz="800" i="1" dirty="0" smtClean="0">
+              <a:rPr lang="es-ES" sz="800" i="1" dirty="0">
                 <a:latin typeface="Courier New" panose="02070309020205020404" pitchFamily="49" charset="0"/>
                 <a:cs typeface="Courier New" panose="02070309020205020404" pitchFamily="49" charset="0"/>
               </a:rPr>
               <a:t>-  S1 – S2 – S3 – S4 – S5 – S6 – S7 – S8 – S9 – S10 – S11 – S12 – S13 – S14 </a:t>
             </a:r>
-            <a:endParaRPr lang="es-ES" sz="800" i="1" dirty="0">
-              <a:latin typeface="Courier New" panose="02070309020205020404" pitchFamily="49" charset="0"/>
-              <a:cs typeface="Courier New" panose="02070309020205020404" pitchFamily="49" charset="0"/>
-            </a:endParaRPr>
           </a:p>
         </p:txBody>
       </p:sp>
@@ -6033,145 +5890,134 @@
                 <a:latin typeface="Courier New" panose="02070309020205020404" pitchFamily="49" charset="0"/>
                 <a:cs typeface="Courier New" panose="02070309020205020404" pitchFamily="49" charset="0"/>
               </a:rPr>
-              <a:t> </a:t>
-            </a:r>
-            <a:r>
-              <a:rPr lang="es-ES" sz="800" i="1" dirty="0" smtClean="0">
-                <a:latin typeface="Courier New" panose="02070309020205020404" pitchFamily="49" charset="0"/>
-                <a:cs typeface="Courier New" panose="02070309020205020404" pitchFamily="49" charset="0"/>
-              </a:rPr>
-              <a:t>   A    </a:t>
-            </a:r>
-            <a:r>
-              <a:rPr lang="es-ES" sz="800" i="1" dirty="0" err="1" smtClean="0">
+              <a:t>    A    </a:t>
+            </a:r>
+            <a:r>
+              <a:rPr lang="es-ES" sz="800" i="1" dirty="0" err="1">
                 <a:latin typeface="Courier New" panose="02070309020205020404" pitchFamily="49" charset="0"/>
                 <a:cs typeface="Courier New" panose="02070309020205020404" pitchFamily="49" charset="0"/>
               </a:rPr>
               <a:t>A</a:t>
             </a:r>
             <a:r>
-              <a:rPr lang="es-ES" sz="800" i="1" dirty="0" smtClean="0">
+              <a:rPr lang="es-ES" sz="800" i="1" dirty="0">
                 <a:latin typeface="Courier New" panose="02070309020205020404" pitchFamily="49" charset="0"/>
                 <a:cs typeface="Courier New" panose="02070309020205020404" pitchFamily="49" charset="0"/>
               </a:rPr>
               <a:t>    </a:t>
             </a:r>
             <a:r>
-              <a:rPr lang="es-ES" sz="800" i="1" dirty="0" err="1" smtClean="0">
+              <a:rPr lang="es-ES" sz="800" i="1" dirty="0" err="1">
                 <a:latin typeface="Courier New" panose="02070309020205020404" pitchFamily="49" charset="0"/>
                 <a:cs typeface="Courier New" panose="02070309020205020404" pitchFamily="49" charset="0"/>
               </a:rPr>
               <a:t>A</a:t>
             </a:r>
             <a:r>
-              <a:rPr lang="es-ES" sz="800" i="1" dirty="0" smtClean="0">
+              <a:rPr lang="es-ES" sz="800" i="1" dirty="0">
                 <a:latin typeface="Courier New" panose="02070309020205020404" pitchFamily="49" charset="0"/>
                 <a:cs typeface="Courier New" panose="02070309020205020404" pitchFamily="49" charset="0"/>
               </a:rPr>
               <a:t>    </a:t>
             </a:r>
             <a:r>
-              <a:rPr lang="es-ES" sz="800" i="1" dirty="0" err="1" smtClean="0">
+              <a:rPr lang="es-ES" sz="800" i="1" dirty="0" err="1">
                 <a:latin typeface="Courier New" panose="02070309020205020404" pitchFamily="49" charset="0"/>
                 <a:cs typeface="Courier New" panose="02070309020205020404" pitchFamily="49" charset="0"/>
               </a:rPr>
               <a:t>A</a:t>
             </a:r>
             <a:r>
-              <a:rPr lang="es-ES" sz="800" i="1" dirty="0" smtClean="0">
+              <a:rPr lang="es-ES" sz="800" i="1" dirty="0">
                 <a:latin typeface="Courier New" panose="02070309020205020404" pitchFamily="49" charset="0"/>
                 <a:cs typeface="Courier New" panose="02070309020205020404" pitchFamily="49" charset="0"/>
               </a:rPr>
               <a:t>    B    </a:t>
             </a:r>
             <a:r>
-              <a:rPr lang="es-ES" sz="800" i="1" dirty="0" err="1" smtClean="0">
+              <a:rPr lang="es-ES" sz="800" i="1" dirty="0" err="1">
                 <a:latin typeface="Courier New" panose="02070309020205020404" pitchFamily="49" charset="0"/>
                 <a:cs typeface="Courier New" panose="02070309020205020404" pitchFamily="49" charset="0"/>
               </a:rPr>
               <a:t>B</a:t>
             </a:r>
             <a:r>
-              <a:rPr lang="es-ES" sz="800" i="1" dirty="0" smtClean="0">
+              <a:rPr lang="es-ES" sz="800" i="1" dirty="0">
                 <a:latin typeface="Courier New" panose="02070309020205020404" pitchFamily="49" charset="0"/>
                 <a:cs typeface="Courier New" panose="02070309020205020404" pitchFamily="49" charset="0"/>
               </a:rPr>
               <a:t>    A    </a:t>
             </a:r>
             <a:r>
-              <a:rPr lang="es-ES" sz="800" i="1" dirty="0" err="1" smtClean="0">
+              <a:rPr lang="es-ES" sz="800" i="1" dirty="0" err="1">
                 <a:latin typeface="Courier New" panose="02070309020205020404" pitchFamily="49" charset="0"/>
                 <a:cs typeface="Courier New" panose="02070309020205020404" pitchFamily="49" charset="0"/>
               </a:rPr>
               <a:t>A</a:t>
             </a:r>
             <a:r>
-              <a:rPr lang="es-ES" sz="800" i="1" dirty="0" smtClean="0">
+              <a:rPr lang="es-ES" sz="800" i="1" dirty="0">
                 <a:latin typeface="Courier New" panose="02070309020205020404" pitchFamily="49" charset="0"/>
                 <a:cs typeface="Courier New" panose="02070309020205020404" pitchFamily="49" charset="0"/>
               </a:rPr>
               <a:t>    </a:t>
             </a:r>
             <a:r>
-              <a:rPr lang="es-ES" sz="800" i="1" dirty="0" err="1" smtClean="0">
+              <a:rPr lang="es-ES" sz="800" i="1" dirty="0" err="1">
                 <a:latin typeface="Courier New" panose="02070309020205020404" pitchFamily="49" charset="0"/>
                 <a:cs typeface="Courier New" panose="02070309020205020404" pitchFamily="49" charset="0"/>
               </a:rPr>
               <a:t>A</a:t>
             </a:r>
             <a:r>
-              <a:rPr lang="es-ES" sz="800" i="1" dirty="0" smtClean="0">
+              <a:rPr lang="es-ES" sz="800" i="1" dirty="0">
                 <a:latin typeface="Courier New" panose="02070309020205020404" pitchFamily="49" charset="0"/>
                 <a:cs typeface="Courier New" panose="02070309020205020404" pitchFamily="49" charset="0"/>
               </a:rPr>
               <a:t>     </a:t>
             </a:r>
             <a:r>
-              <a:rPr lang="es-ES" sz="800" i="1" dirty="0" err="1" smtClean="0">
+              <a:rPr lang="es-ES" sz="800" i="1" dirty="0" err="1">
                 <a:latin typeface="Courier New" panose="02070309020205020404" pitchFamily="49" charset="0"/>
                 <a:cs typeface="Courier New" panose="02070309020205020404" pitchFamily="49" charset="0"/>
               </a:rPr>
               <a:t>A</a:t>
             </a:r>
             <a:r>
-              <a:rPr lang="es-ES" sz="800" i="1" dirty="0" smtClean="0">
+              <a:rPr lang="es-ES" sz="800" i="1" dirty="0">
                 <a:latin typeface="Courier New" panose="02070309020205020404" pitchFamily="49" charset="0"/>
                 <a:cs typeface="Courier New" panose="02070309020205020404" pitchFamily="49" charset="0"/>
               </a:rPr>
               <a:t>     B     </a:t>
             </a:r>
             <a:r>
-              <a:rPr lang="es-ES" sz="800" i="1" dirty="0" err="1" smtClean="0">
+              <a:rPr lang="es-ES" sz="800" i="1" dirty="0" err="1">
                 <a:latin typeface="Courier New" panose="02070309020205020404" pitchFamily="49" charset="0"/>
                 <a:cs typeface="Courier New" panose="02070309020205020404" pitchFamily="49" charset="0"/>
               </a:rPr>
               <a:t>B</a:t>
             </a:r>
             <a:r>
-              <a:rPr lang="es-ES" sz="800" i="1" dirty="0" smtClean="0">
+              <a:rPr lang="es-ES" sz="800" i="1" dirty="0">
                 <a:latin typeface="Courier New" panose="02070309020205020404" pitchFamily="49" charset="0"/>
                 <a:cs typeface="Courier New" panose="02070309020205020404" pitchFamily="49" charset="0"/>
               </a:rPr>
               <a:t>     </a:t>
             </a:r>
             <a:r>
-              <a:rPr lang="es-ES" sz="800" i="1" dirty="0" err="1" smtClean="0">
+              <a:rPr lang="es-ES" sz="800" i="1" dirty="0" err="1">
                 <a:latin typeface="Courier New" panose="02070309020205020404" pitchFamily="49" charset="0"/>
                 <a:cs typeface="Courier New" panose="02070309020205020404" pitchFamily="49" charset="0"/>
               </a:rPr>
               <a:t>B</a:t>
             </a:r>
             <a:r>
-              <a:rPr lang="es-ES" sz="800" i="1" dirty="0" smtClean="0">
+              <a:rPr lang="es-ES" sz="800" i="1" dirty="0">
                 <a:latin typeface="Courier New" panose="02070309020205020404" pitchFamily="49" charset="0"/>
                 <a:cs typeface="Courier New" panose="02070309020205020404" pitchFamily="49" charset="0"/>
               </a:rPr>
               <a:t>     A </a:t>
             </a:r>
-            <a:endParaRPr lang="es-ES" sz="800" i="1" dirty="0">
-              <a:latin typeface="Courier New" panose="02070309020205020404" pitchFamily="49" charset="0"/>
-              <a:cs typeface="Courier New" panose="02070309020205020404" pitchFamily="49" charset="0"/>
-            </a:endParaRPr>
           </a:p>
         </p:txBody>
       </p:sp>
@@ -6198,92 +6044,89 @@
           <a:lstStyle/>
           <a:p>
             <a:r>
-              <a:rPr lang="es-ES" sz="900" b="1" dirty="0" err="1" smtClean="0">
+              <a:rPr lang="es-ES" sz="900" b="1" dirty="0" err="1">
                 <a:latin typeface="Arial Narrow" pitchFamily="34" charset="0"/>
               </a:rPr>
               <a:t>Lines</a:t>
             </a:r>
             <a:r>
-              <a:rPr lang="es-ES" sz="900" b="1" dirty="0" smtClean="0">
+              <a:rPr lang="es-ES" sz="900" b="1" dirty="0">
                 <a:latin typeface="Arial Narrow" pitchFamily="34" charset="0"/>
               </a:rPr>
               <a:t> </a:t>
             </a:r>
             <a:r>
-              <a:rPr lang="es-ES" sz="900" b="1" dirty="0" err="1" smtClean="0">
+              <a:rPr lang="es-ES" sz="900" b="1" dirty="0" err="1">
                 <a:latin typeface="Arial Narrow" pitchFamily="34" charset="0"/>
               </a:rPr>
               <a:t>including</a:t>
             </a:r>
             <a:r>
-              <a:rPr lang="es-ES" sz="900" b="1" dirty="0" smtClean="0">
+              <a:rPr lang="es-ES" sz="900" b="1" dirty="0">
                 <a:latin typeface="Arial Narrow" pitchFamily="34" charset="0"/>
               </a:rPr>
               <a:t> </a:t>
             </a:r>
             <a:r>
-              <a:rPr lang="es-ES" sz="900" b="1" dirty="0" err="1" smtClean="0">
+              <a:rPr lang="es-ES" sz="900" b="1" dirty="0" err="1">
                 <a:latin typeface="Arial Narrow" pitchFamily="34" charset="0"/>
               </a:rPr>
               <a:t>each</a:t>
             </a:r>
             <a:r>
-              <a:rPr lang="es-ES" sz="900" b="1" dirty="0" smtClean="0">
+              <a:rPr lang="es-ES" sz="900" b="1" dirty="0">
                 <a:latin typeface="Arial Narrow" pitchFamily="34" charset="0"/>
               </a:rPr>
               <a:t> stop </a:t>
             </a:r>
             <a:r>
-              <a:rPr lang="es-ES" sz="900" i="1" dirty="0" smtClean="0">
+              <a:rPr lang="es-ES" sz="900" i="1" dirty="0">
                 <a:latin typeface="Arial Narrow" pitchFamily="34" charset="0"/>
               </a:rPr>
               <a:t>(</a:t>
             </a:r>
             <a:r>
-              <a:rPr lang="es-ES" sz="900" i="1" smtClean="0">
+              <a:rPr lang="es-ES" sz="900" i="1">
                 <a:latin typeface="Arial Narrow" pitchFamily="34" charset="0"/>
               </a:rPr>
               <a:t>inverted </a:t>
             </a:r>
             <a:r>
-              <a:rPr lang="es-ES" sz="900" i="1" dirty="0" err="1" smtClean="0">
+              <a:rPr lang="es-ES" sz="900" i="1" dirty="0" err="1">
                 <a:latin typeface="Arial Narrow" pitchFamily="34" charset="0"/>
               </a:rPr>
               <a:t>index</a:t>
             </a:r>
             <a:r>
-              <a:rPr lang="es-ES" sz="900" i="1" dirty="0" smtClean="0">
+              <a:rPr lang="es-ES" sz="900" i="1" dirty="0">
                 <a:latin typeface="Arial Narrow" pitchFamily="34" charset="0"/>
               </a:rPr>
               <a:t> </a:t>
             </a:r>
             <a:r>
-              <a:rPr lang="es-ES" sz="900" i="1" dirty="0" err="1" smtClean="0">
+              <a:rPr lang="es-ES" sz="900" i="1" dirty="0" err="1">
                 <a:latin typeface="Arial Narrow" pitchFamily="34" charset="0"/>
               </a:rPr>
               <a:t>for</a:t>
             </a:r>
             <a:r>
-              <a:rPr lang="es-ES" sz="900" i="1" dirty="0" smtClean="0">
+              <a:rPr lang="es-ES" sz="900" i="1" dirty="0">
                 <a:latin typeface="Arial Narrow" pitchFamily="34" charset="0"/>
               </a:rPr>
               <a:t> </a:t>
             </a:r>
             <a:r>
-              <a:rPr lang="es-ES" sz="900" i="1" dirty="0" err="1" smtClean="0">
+              <a:rPr lang="es-ES" sz="900" i="1" dirty="0" err="1">
                 <a:latin typeface="Arial Narrow" pitchFamily="34" charset="0"/>
               </a:rPr>
               <a:t>stops</a:t>
             </a:r>
             <a:r>
-              <a:rPr lang="es-ES" sz="900" i="1" dirty="0" smtClean="0">
+              <a:rPr lang="es-ES" sz="900" i="1" dirty="0">
                 <a:latin typeface="Arial Narrow" pitchFamily="34" charset="0"/>
               </a:rPr>
               <a:t>)</a:t>
             </a:r>
-            <a:endParaRPr lang="es-ES" sz="900" i="1" dirty="0">
-              <a:latin typeface="Arial Narrow" pitchFamily="34" charset="0"/>
-            </a:endParaRPr>
           </a:p>
         </p:txBody>
       </p:sp>
@@ -6367,17 +6210,10 @@
                 <a:latin typeface="Courier New" panose="02070309020205020404" pitchFamily="49" charset="0"/>
                 <a:cs typeface="Courier New" panose="02070309020205020404" pitchFamily="49" charset="0"/>
               </a:rPr>
-              <a:t> </a:t>
-            </a:r>
-            <a:r>
-              <a:rPr lang="es-ES" sz="800" i="1" dirty="0" smtClean="0">
-                <a:latin typeface="Courier New" panose="02070309020205020404" pitchFamily="49" charset="0"/>
-                <a:cs typeface="Courier New" panose="02070309020205020404" pitchFamily="49" charset="0"/>
-              </a:rPr>
-              <a:t>                                           B     </a:t>
-            </a:r>
-            <a:r>
-              <a:rPr lang="es-ES" sz="800" i="1" dirty="0" err="1" smtClean="0">
+              <a:t>                                            B     </a:t>
+            </a:r>
+            <a:r>
+              <a:rPr lang="es-ES" sz="800" i="1" dirty="0" err="1">
                 <a:latin typeface="Courier New" panose="02070309020205020404" pitchFamily="49" charset="0"/>
                 <a:cs typeface="Courier New" panose="02070309020205020404" pitchFamily="49" charset="0"/>
               </a:rPr>
@@ -6413,14 +6249,11 @@
           <a:lstStyle/>
           <a:p>
             <a:r>
-              <a:rPr lang="es-ES" sz="700" i="1" dirty="0" smtClean="0">
+              <a:rPr lang="es-ES" sz="700" i="1" dirty="0">
                 <a:latin typeface="Arial Narrow" pitchFamily="34" charset="0"/>
               </a:rPr>
               <a:t>06:00</a:t>
             </a:r>
-            <a:endParaRPr lang="es-ES" sz="700" i="1" dirty="0">
-              <a:latin typeface="Arial Narrow" pitchFamily="34" charset="0"/>
-            </a:endParaRPr>
           </a:p>
         </p:txBody>
       </p:sp>
@@ -6447,7 +6280,7 @@
           <a:lstStyle/>
           <a:p>
             <a:r>
-              <a:rPr lang="es-ES" sz="700" i="1" dirty="0" smtClean="0">
+              <a:rPr lang="es-ES" sz="700" i="1" dirty="0">
                 <a:solidFill>
                   <a:srgbClr val="7030A0"/>
                 </a:solidFill>
@@ -6455,12 +6288,6 @@
               </a:rPr>
               <a:t>06:30</a:t>
             </a:r>
-            <a:endParaRPr lang="es-ES" sz="700" i="1" dirty="0">
-              <a:solidFill>
-                <a:srgbClr val="7030A0"/>
-              </a:solidFill>
-              <a:latin typeface="Arial Narrow" pitchFamily="34" charset="0"/>
-            </a:endParaRPr>
           </a:p>
         </p:txBody>
       </p:sp>
@@ -6487,7 +6314,7 @@
           <a:lstStyle/>
           <a:p>
             <a:r>
-              <a:rPr lang="es-ES" sz="700" i="1" dirty="0" smtClean="0">
+              <a:rPr lang="es-ES" sz="700" i="1" dirty="0">
                 <a:solidFill>
                   <a:srgbClr val="002060"/>
                 </a:solidFill>
@@ -6495,12 +6322,6 @@
               </a:rPr>
               <a:t>06:23</a:t>
             </a:r>
-            <a:endParaRPr lang="es-ES" sz="700" i="1" dirty="0">
-              <a:solidFill>
-                <a:srgbClr val="002060"/>
-              </a:solidFill>
-              <a:latin typeface="Arial Narrow" pitchFamily="34" charset="0"/>
-            </a:endParaRPr>
           </a:p>
         </p:txBody>
       </p:sp>
@@ -6527,7 +6348,7 @@
           <a:lstStyle/>
           <a:p>
             <a:r>
-              <a:rPr lang="es-ES" sz="700" i="1" dirty="0" smtClean="0">
+              <a:rPr lang="es-ES" sz="700" i="1" dirty="0">
                 <a:solidFill>
                   <a:srgbClr val="FF0000"/>
                 </a:solidFill>
@@ -6535,12 +6356,6 @@
               </a:rPr>
               <a:t>06:25h</a:t>
             </a:r>
-            <a:endParaRPr lang="es-ES" sz="700" i="1" dirty="0">
-              <a:solidFill>
-                <a:srgbClr val="FF0000"/>
-              </a:solidFill>
-              <a:latin typeface="Arial Narrow" pitchFamily="34" charset="0"/>
-            </a:endParaRPr>
           </a:p>
         </p:txBody>
       </p:sp>
@@ -6567,7 +6382,7 @@
           <a:lstStyle/>
           <a:p>
             <a:r>
-              <a:rPr lang="es-ES" sz="700" i="1" dirty="0" smtClean="0">
+              <a:rPr lang="es-ES" sz="700" i="1" dirty="0">
                 <a:solidFill>
                   <a:srgbClr val="007A37"/>
                 </a:solidFill>
@@ -6575,12 +6390,6 @@
               </a:rPr>
               <a:t>06:02</a:t>
             </a:r>
-            <a:endParaRPr lang="es-ES" sz="700" i="1" dirty="0">
-              <a:solidFill>
-                <a:srgbClr val="007A37"/>
-              </a:solidFill>
-              <a:latin typeface="Arial Narrow" pitchFamily="34" charset="0"/>
-            </a:endParaRPr>
           </a:p>
         </p:txBody>
       </p:sp>
@@ -6803,14 +6612,11 @@
           <a:lstStyle/>
           <a:p>
             <a:r>
-              <a:rPr lang="es-ES" sz="800" b="1" dirty="0" smtClean="0">
+              <a:rPr lang="es-ES" sz="800" b="1" dirty="0">
                 <a:latin typeface="Arial Narrow" pitchFamily="34" charset="0"/>
               </a:rPr>
               <a:t> (day1) 06:00 – 06:20 – 06:40 –  …   (day2) 06:00 – 06:20 – 06:40 –  …</a:t>
             </a:r>
-            <a:endParaRPr lang="es-ES" sz="800" b="1" dirty="0">
-              <a:latin typeface="Arial Narrow" pitchFamily="34" charset="0"/>
-            </a:endParaRPr>
           </a:p>
         </p:txBody>
       </p:sp>
@@ -6837,14 +6643,11 @@
           <a:lstStyle/>
           <a:p>
             <a:r>
-              <a:rPr lang="es-ES" sz="800" b="1" dirty="0" smtClean="0">
+              <a:rPr lang="es-ES" sz="800" b="1" dirty="0">
                 <a:latin typeface="Arial Narrow" pitchFamily="34" charset="0"/>
               </a:rPr>
               <a:t>  (day1) 06:00 – 06:15 – 06:30 – …   (day2) 06:00 – 06:15 – 06:30 – … </a:t>
             </a:r>
-            <a:endParaRPr lang="es-ES" sz="800" b="1" dirty="0">
-              <a:latin typeface="Arial Narrow" pitchFamily="34" charset="0"/>
-            </a:endParaRPr>
           </a:p>
         </p:txBody>
       </p:sp>
@@ -6885,25 +6688,25 @@
             <a:lstStyle/>
             <a:p>
               <a:r>
-                <a:rPr lang="es-ES" sz="700" i="1" dirty="0" smtClean="0">
+                <a:rPr lang="es-ES" sz="700" i="1" dirty="0">
                   <a:solidFill>
                     <a:srgbClr val="0000FF"/>
                   </a:solidFill>
                   <a:latin typeface="Arial Narrow" pitchFamily="34" charset="0"/>
                 </a:rPr>
-                <a:t>            </a:t>
+                <a:t>        </a:t>
               </a:r>
               <a:r>
-                <a:rPr lang="es-ES" sz="700" i="1" dirty="0" err="1" smtClean="0">
+                <a:rPr lang="es-ES" sz="700" i="1" dirty="0" err="1">
                   <a:solidFill>
                     <a:srgbClr val="0000FF"/>
                   </a:solidFill>
                   <a:latin typeface="Arial Narrow" pitchFamily="34" charset="0"/>
                 </a:rPr>
-                <a:t>journey-ids</a:t>
+                <a:t>journey-codes</a:t>
               </a:r>
               <a:r>
-                <a:rPr lang="es-ES" sz="700" i="1" dirty="0" smtClean="0">
+                <a:rPr lang="es-ES" sz="700" i="1" dirty="0">
                   <a:solidFill>
                     <a:srgbClr val="0000FF"/>
                   </a:solidFill>
@@ -6911,12 +6714,6 @@
                 </a:rPr>
                 <a:t>      0            1             2                                  48           49          50             </a:t>
               </a:r>
-              <a:endParaRPr lang="es-ES" sz="700" i="1" dirty="0">
-                <a:solidFill>
-                  <a:srgbClr val="0000FF"/>
-                </a:solidFill>
-                <a:latin typeface="Arial Narrow" pitchFamily="34" charset="0"/>
-              </a:endParaRPr>
             </a:p>
           </p:txBody>
         </p:sp>
@@ -6943,25 +6740,25 @@
             <a:lstStyle/>
             <a:p>
               <a:r>
-                <a:rPr lang="es-ES" sz="700" i="1" dirty="0" smtClean="0">
+                <a:rPr lang="es-ES" sz="700" i="1" dirty="0">
                   <a:solidFill>
                     <a:srgbClr val="0000FF"/>
                   </a:solidFill>
                   <a:latin typeface="Arial Narrow" pitchFamily="34" charset="0"/>
                 </a:rPr>
-                <a:t>               </a:t>
+                <a:t>           </a:t>
               </a:r>
               <a:r>
-                <a:rPr lang="es-ES" sz="700" i="1" dirty="0" err="1" smtClean="0">
+                <a:rPr lang="es-ES" sz="700" i="1" dirty="0" err="1">
                   <a:solidFill>
                     <a:srgbClr val="0000FF"/>
                   </a:solidFill>
                   <a:latin typeface="Arial Narrow" pitchFamily="34" charset="0"/>
                 </a:rPr>
-                <a:t>journey-ids</a:t>
+                <a:t>journey-codes</a:t>
               </a:r>
               <a:r>
-                <a:rPr lang="es-ES" sz="700" i="1" dirty="0" smtClean="0">
+                <a:rPr lang="es-ES" sz="700" i="1" dirty="0">
                   <a:solidFill>
                     <a:srgbClr val="0000FF"/>
                   </a:solidFill>
@@ -6969,12 +6766,6 @@
                 </a:rPr>
                 <a:t>      0            1             2                                  64           65          66                          </a:t>
               </a:r>
-              <a:endParaRPr lang="es-ES" sz="700" i="1" dirty="0">
-                <a:solidFill>
-                  <a:srgbClr val="0000FF"/>
-                </a:solidFill>
-                <a:latin typeface="Arial Narrow" pitchFamily="34" charset="0"/>
-              </a:endParaRPr>
             </a:p>
           </p:txBody>
         </p:sp>
@@ -6984,13 +6775,6 @@
   <p:clrMapOvr>
     <a:masterClrMapping/>
   </p:clrMapOvr>
-  <p:timing>
-    <p:tnLst>
-      <p:par>
-        <p:cTn id="1" dur="indefinite" restart="never" nodeType="tmRoot"/>
-      </p:par>
-    </p:tnLst>
-  </p:timing>
 </p:sld>
 </file>
 
